--- a/SQL COMMANDS NEHA.pptx
+++ b/SQL COMMANDS NEHA.pptx
@@ -9,6 +9,35 @@
     <p:sldId id="257" r:id="rId3"/>
     <p:sldId id="258" r:id="rId4"/>
     <p:sldId id="259" r:id="rId5"/>
+    <p:sldId id="268" r:id="rId6"/>
+    <p:sldId id="260" r:id="rId7"/>
+    <p:sldId id="261" r:id="rId8"/>
+    <p:sldId id="262" r:id="rId9"/>
+    <p:sldId id="263" r:id="rId10"/>
+    <p:sldId id="264" r:id="rId11"/>
+    <p:sldId id="271" r:id="rId12"/>
+    <p:sldId id="272" r:id="rId13"/>
+    <p:sldId id="265" r:id="rId14"/>
+    <p:sldId id="266" r:id="rId15"/>
+    <p:sldId id="267" r:id="rId16"/>
+    <p:sldId id="269" r:id="rId17"/>
+    <p:sldId id="273" r:id="rId18"/>
+    <p:sldId id="270" r:id="rId19"/>
+    <p:sldId id="274" r:id="rId20"/>
+    <p:sldId id="275" r:id="rId21"/>
+    <p:sldId id="276" r:id="rId22"/>
+    <p:sldId id="277" r:id="rId23"/>
+    <p:sldId id="278" r:id="rId24"/>
+    <p:sldId id="279" r:id="rId25"/>
+    <p:sldId id="280" r:id="rId26"/>
+    <p:sldId id="281" r:id="rId27"/>
+    <p:sldId id="282" r:id="rId28"/>
+    <p:sldId id="283" r:id="rId29"/>
+    <p:sldId id="284" r:id="rId30"/>
+    <p:sldId id="285" r:id="rId31"/>
+    <p:sldId id="286" r:id="rId32"/>
+    <p:sldId id="287" r:id="rId33"/>
+    <p:sldId id="288" r:id="rId34"/>
   </p:sldIdLst>
   <p:sldSz cx="12192000" cy="6858000"/>
   <p:notesSz cx="6858000" cy="9144000"/>
@@ -107,6 +136,11 @@
       </a:defRPr>
     </a:lvl9pPr>
   </p:defaultTextStyle>
+  <p:extLst>
+    <p:ext uri="{EFAFB233-063F-42B5-8137-9DF3F51BA10A}">
+      <p15:sldGuideLst xmlns:p15="http://schemas.microsoft.com/office/powerpoint/2012/main"/>
+    </p:ext>
+  </p:extLst>
 </p:presentation>
 </file>
 
@@ -4004,7 +4038,7 @@
                 <a16:creationId xmlns:a16="http://schemas.microsoft.com/office/drawing/2014/main" id="{B1C3281D-A46F-4842-9340-4CBC29E1B260}"/>
               </a:ext>
               <a:ext uri="{C183D7F6-B498-43B3-948B-1728B52AA6E4}">
-                <adec:decorative xmlns:adec="http://schemas.microsoft.com/office/drawing/2017/decorative" val="1"/>
+                <adec:decorative xmlns="" xmlns:adec="http://schemas.microsoft.com/office/drawing/2017/decorative" val="1"/>
               </a:ext>
             </a:extLst>
           </p:cNvPr>
@@ -4117,7 +4151,7 @@
         </p:spPr>
         <p:txBody>
           <a:bodyPr>
-            <a:normAutofit/>
+            <a:normAutofit fontScale="90000"/>
           </a:bodyPr>
           <a:lstStyle/>
           <a:p>
@@ -4138,7 +4172,7 @@
                 <a16:creationId xmlns:a16="http://schemas.microsoft.com/office/drawing/2014/main" id="{D4EDB048-C82F-4E9B-BCE9-3D1DBE5D59CE}"/>
               </a:ext>
               <a:ext uri="{C183D7F6-B498-43B3-948B-1728B52AA6E4}">
-                <adec:decorative xmlns:adec="http://schemas.microsoft.com/office/drawing/2017/decorative" val="1"/>
+                <adec:decorative xmlns="" xmlns:adec="http://schemas.microsoft.com/office/drawing/2017/decorative" val="1"/>
               </a:ext>
             </a:extLst>
           </p:cNvPr>
@@ -4186,6 +4220,988 @@
     <p:extLst>
       <p:ext uri="{BB962C8B-B14F-4D97-AF65-F5344CB8AC3E}">
         <p14:creationId xmlns:p14="http://schemas.microsoft.com/office/powerpoint/2010/main" val="1120606448"/>
+      </p:ext>
+    </p:extLst>
+  </p:cSld>
+  <p:clrMapOvr>
+    <a:masterClrMapping/>
+  </p:clrMapOvr>
+</p:sld>
+</file>
+
+<file path=ppt/slides/slide10.xml><?xml version="1.0" encoding="utf-8"?>
+<p:sld xmlns:a="http://schemas.openxmlformats.org/drawingml/2006/main" xmlns:r="http://schemas.openxmlformats.org/officeDocument/2006/relationships" xmlns:p="http://schemas.openxmlformats.org/presentationml/2006/main">
+  <p:cSld>
+    <p:spTree>
+      <p:nvGrpSpPr>
+        <p:cNvPr id="1" name=""/>
+        <p:cNvGrpSpPr/>
+        <p:nvPr/>
+      </p:nvGrpSpPr>
+      <p:grpSpPr>
+        <a:xfrm>
+          <a:off x="0" y="0"/>
+          <a:ext cx="0" cy="0"/>
+          <a:chOff x="0" y="0"/>
+          <a:chExt cx="0" cy="0"/>
+        </a:xfrm>
+      </p:grpSpPr>
+      <p:pic>
+        <p:nvPicPr>
+          <p:cNvPr id="2" name="Picture 1"/>
+          <p:cNvPicPr>
+            <a:picLocks noChangeAspect="1"/>
+          </p:cNvPicPr>
+          <p:nvPr/>
+        </p:nvPicPr>
+        <p:blipFill>
+          <a:blip r:embed="rId2"/>
+          <a:stretch>
+            <a:fillRect/>
+          </a:stretch>
+        </p:blipFill>
+        <p:spPr>
+          <a:xfrm>
+            <a:off x="5283811" y="2259874"/>
+            <a:ext cx="6908189" cy="4598126"/>
+          </a:xfrm>
+          <a:prstGeom prst="rect">
+            <a:avLst/>
+          </a:prstGeom>
+        </p:spPr>
+      </p:pic>
+      <p:pic>
+        <p:nvPicPr>
+          <p:cNvPr id="4" name="Picture 3"/>
+          <p:cNvPicPr>
+            <a:picLocks noChangeAspect="1"/>
+          </p:cNvPicPr>
+          <p:nvPr/>
+        </p:nvPicPr>
+        <p:blipFill>
+          <a:blip r:embed="rId3"/>
+          <a:stretch>
+            <a:fillRect/>
+          </a:stretch>
+        </p:blipFill>
+        <p:spPr>
+          <a:xfrm>
+            <a:off x="0" y="0"/>
+            <a:ext cx="5283811" cy="3349217"/>
+          </a:xfrm>
+          <a:prstGeom prst="rect">
+            <a:avLst/>
+          </a:prstGeom>
+        </p:spPr>
+      </p:pic>
+    </p:spTree>
+    <p:extLst>
+      <p:ext uri="{BB962C8B-B14F-4D97-AF65-F5344CB8AC3E}">
+        <p14:creationId xmlns:p14="http://schemas.microsoft.com/office/powerpoint/2010/main" val="132863322"/>
+      </p:ext>
+    </p:extLst>
+  </p:cSld>
+  <p:clrMapOvr>
+    <a:masterClrMapping/>
+  </p:clrMapOvr>
+</p:sld>
+</file>
+
+<file path=ppt/slides/slide11.xml><?xml version="1.0" encoding="utf-8"?>
+<p:sld xmlns:a="http://schemas.openxmlformats.org/drawingml/2006/main" xmlns:r="http://schemas.openxmlformats.org/officeDocument/2006/relationships" xmlns:p="http://schemas.openxmlformats.org/presentationml/2006/main">
+  <p:cSld>
+    <p:spTree>
+      <p:nvGrpSpPr>
+        <p:cNvPr id="1" name=""/>
+        <p:cNvGrpSpPr/>
+        <p:nvPr/>
+      </p:nvGrpSpPr>
+      <p:grpSpPr>
+        <a:xfrm>
+          <a:off x="0" y="0"/>
+          <a:ext cx="0" cy="0"/>
+          <a:chOff x="0" y="0"/>
+          <a:chExt cx="0" cy="0"/>
+        </a:xfrm>
+      </p:grpSpPr>
+      <p:pic>
+        <p:nvPicPr>
+          <p:cNvPr id="2" name="Picture 1"/>
+          <p:cNvPicPr>
+            <a:picLocks noChangeAspect="1"/>
+          </p:cNvPicPr>
+          <p:nvPr/>
+        </p:nvPicPr>
+        <p:blipFill>
+          <a:blip r:embed="rId2"/>
+          <a:stretch>
+            <a:fillRect/>
+          </a:stretch>
+        </p:blipFill>
+        <p:spPr>
+          <a:xfrm>
+            <a:off x="144688" y="876724"/>
+            <a:ext cx="11868039" cy="4779493"/>
+          </a:xfrm>
+          <a:prstGeom prst="rect">
+            <a:avLst/>
+          </a:prstGeom>
+        </p:spPr>
+      </p:pic>
+    </p:spTree>
+    <p:extLst>
+      <p:ext uri="{BB962C8B-B14F-4D97-AF65-F5344CB8AC3E}">
+        <p14:creationId xmlns:p14="http://schemas.microsoft.com/office/powerpoint/2010/main" val="845102736"/>
+      </p:ext>
+    </p:extLst>
+  </p:cSld>
+  <p:clrMapOvr>
+    <a:masterClrMapping/>
+  </p:clrMapOvr>
+</p:sld>
+</file>
+
+<file path=ppt/slides/slide12.xml><?xml version="1.0" encoding="utf-8"?>
+<p:sld xmlns:a="http://schemas.openxmlformats.org/drawingml/2006/main" xmlns:r="http://schemas.openxmlformats.org/officeDocument/2006/relationships" xmlns:p="http://schemas.openxmlformats.org/presentationml/2006/main">
+  <p:cSld>
+    <p:spTree>
+      <p:nvGrpSpPr>
+        <p:cNvPr id="1" name=""/>
+        <p:cNvGrpSpPr/>
+        <p:nvPr/>
+      </p:nvGrpSpPr>
+      <p:grpSpPr>
+        <a:xfrm>
+          <a:off x="0" y="0"/>
+          <a:ext cx="0" cy="0"/>
+          <a:chOff x="0" y="0"/>
+          <a:chExt cx="0" cy="0"/>
+        </a:xfrm>
+      </p:grpSpPr>
+      <p:pic>
+        <p:nvPicPr>
+          <p:cNvPr id="2" name="Picture 1"/>
+          <p:cNvPicPr>
+            <a:picLocks noChangeAspect="1"/>
+          </p:cNvPicPr>
+          <p:nvPr/>
+        </p:nvPicPr>
+        <p:blipFill>
+          <a:blip r:embed="rId2"/>
+          <a:stretch>
+            <a:fillRect/>
+          </a:stretch>
+        </p:blipFill>
+        <p:spPr>
+          <a:xfrm>
+            <a:off x="341572" y="942611"/>
+            <a:ext cx="11721877" cy="4099651"/>
+          </a:xfrm>
+          <a:prstGeom prst="rect">
+            <a:avLst/>
+          </a:prstGeom>
+        </p:spPr>
+      </p:pic>
+    </p:spTree>
+    <p:extLst>
+      <p:ext uri="{BB962C8B-B14F-4D97-AF65-F5344CB8AC3E}">
+        <p14:creationId xmlns:p14="http://schemas.microsoft.com/office/powerpoint/2010/main" val="561499445"/>
+      </p:ext>
+    </p:extLst>
+  </p:cSld>
+  <p:clrMapOvr>
+    <a:masterClrMapping/>
+  </p:clrMapOvr>
+</p:sld>
+</file>
+
+<file path=ppt/slides/slide13.xml><?xml version="1.0" encoding="utf-8"?>
+<p:sld xmlns:a="http://schemas.openxmlformats.org/drawingml/2006/main" xmlns:r="http://schemas.openxmlformats.org/officeDocument/2006/relationships" xmlns:p="http://schemas.openxmlformats.org/presentationml/2006/main">
+  <p:cSld>
+    <p:spTree>
+      <p:nvGrpSpPr>
+        <p:cNvPr id="1" name=""/>
+        <p:cNvGrpSpPr/>
+        <p:nvPr/>
+      </p:nvGrpSpPr>
+      <p:grpSpPr>
+        <a:xfrm>
+          <a:off x="0" y="0"/>
+          <a:ext cx="0" cy="0"/>
+          <a:chOff x="0" y="0"/>
+          <a:chExt cx="0" cy="0"/>
+        </a:xfrm>
+      </p:grpSpPr>
+      <p:sp>
+        <p:nvSpPr>
+          <p:cNvPr id="2" name="Title 1"/>
+          <p:cNvSpPr>
+            <a:spLocks noGrp="1"/>
+          </p:cNvSpPr>
+          <p:nvPr>
+            <p:ph type="title"/>
+          </p:nvPr>
+        </p:nvSpPr>
+        <p:spPr/>
+        <p:txBody>
+          <a:bodyPr/>
+          <a:lstStyle/>
+          <a:p>
+            <a:r>
+              <a:rPr lang="en-US" dirty="0" smtClean="0"/>
+              <a:t>Transaction 	</a:t>
+            </a:r>
+            <a:endParaRPr lang="en-US" dirty="0"/>
+          </a:p>
+        </p:txBody>
+      </p:sp>
+      <p:sp>
+        <p:nvSpPr>
+          <p:cNvPr id="3" name="Content Placeholder 2"/>
+          <p:cNvSpPr>
+            <a:spLocks noGrp="1"/>
+          </p:cNvSpPr>
+          <p:nvPr>
+            <p:ph idx="1"/>
+          </p:nvPr>
+        </p:nvSpPr>
+        <p:spPr/>
+        <p:txBody>
+          <a:bodyPr/>
+          <a:lstStyle/>
+          <a:p>
+            <a:r>
+              <a:rPr lang="en-US" dirty="0" smtClean="0"/>
+              <a:t>Set of actions/task</a:t>
+            </a:r>
+          </a:p>
+          <a:p>
+            <a:r>
+              <a:rPr lang="en-US" i="1" dirty="0"/>
+              <a:t>performed to access and modify the contents of the database as per the user’s request.</a:t>
+            </a:r>
+            <a:r>
+              <a:rPr lang="en-US" dirty="0" smtClean="0"/>
+              <a:t> </a:t>
+            </a:r>
+          </a:p>
+          <a:p>
+            <a:endParaRPr lang="en-US" dirty="0"/>
+          </a:p>
+        </p:txBody>
+      </p:sp>
+    </p:spTree>
+    <p:extLst>
+      <p:ext uri="{BB962C8B-B14F-4D97-AF65-F5344CB8AC3E}">
+        <p14:creationId xmlns:p14="http://schemas.microsoft.com/office/powerpoint/2010/main" val="102590079"/>
+      </p:ext>
+    </p:extLst>
+  </p:cSld>
+  <p:clrMapOvr>
+    <a:masterClrMapping/>
+  </p:clrMapOvr>
+</p:sld>
+</file>
+
+<file path=ppt/slides/slide14.xml><?xml version="1.0" encoding="utf-8"?>
+<p:sld xmlns:a="http://schemas.openxmlformats.org/drawingml/2006/main" xmlns:r="http://schemas.openxmlformats.org/officeDocument/2006/relationships" xmlns:p="http://schemas.openxmlformats.org/presentationml/2006/main">
+  <p:cSld>
+    <p:spTree>
+      <p:nvGrpSpPr>
+        <p:cNvPr id="1" name=""/>
+        <p:cNvGrpSpPr/>
+        <p:nvPr/>
+      </p:nvGrpSpPr>
+      <p:grpSpPr>
+        <a:xfrm>
+          <a:off x="0" y="0"/>
+          <a:ext cx="0" cy="0"/>
+          <a:chOff x="0" y="0"/>
+          <a:chExt cx="0" cy="0"/>
+        </a:xfrm>
+      </p:grpSpPr>
+      <p:sp>
+        <p:nvSpPr>
+          <p:cNvPr id="2" name="Title 1"/>
+          <p:cNvSpPr>
+            <a:spLocks noGrp="1"/>
+          </p:cNvSpPr>
+          <p:nvPr>
+            <p:ph type="title"/>
+          </p:nvPr>
+        </p:nvSpPr>
+        <p:spPr/>
+        <p:txBody>
+          <a:bodyPr/>
+          <a:lstStyle/>
+          <a:p>
+            <a:pPr fontAlgn="base"/>
+            <a:r>
+              <a:rPr lang="en-US" dirty="0"/>
+              <a:t>Q.4: What is meant by schedules of transactions in DBMS</a:t>
+            </a:r>
+            <a:r>
+              <a:rPr lang="en-US" dirty="0" smtClean="0"/>
+              <a:t>?</a:t>
+            </a:r>
+            <a:endParaRPr lang="en-US" dirty="0"/>
+          </a:p>
+        </p:txBody>
+      </p:sp>
+      <p:sp>
+        <p:nvSpPr>
+          <p:cNvPr id="4" name="Rectangle 1"/>
+          <p:cNvSpPr>
+            <a:spLocks noGrp="1" noChangeArrowheads="1"/>
+          </p:cNvSpPr>
+          <p:nvPr>
+            <p:ph idx="1"/>
+          </p:nvPr>
+        </p:nvSpPr>
+        <p:spPr bwMode="auto">
+          <a:xfrm>
+            <a:off x="271326" y="2480683"/>
+            <a:ext cx="11554914" cy="2062103"/>
+          </a:xfrm>
+          <a:prstGeom prst="rect">
+            <a:avLst/>
+          </a:prstGeom>
+          <a:noFill/>
+          <a:ln>
+            <a:noFill/>
+          </a:ln>
+          <a:effectLst/>
+          <a:extLst>
+            <a:ext uri="{909E8E84-426E-40DD-AFC4-6F175D3DCCD1}">
+              <a14:hiddenFill xmlns:a14="http://schemas.microsoft.com/office/drawing/2010/main">
+                <a:solidFill>
+                  <a:schemeClr val="accent1"/>
+                </a:solidFill>
+              </a14:hiddenFill>
+            </a:ext>
+            <a:ext uri="{91240B29-F687-4F45-9708-019B960494DF}">
+              <a14:hiddenLine xmlns:a14="http://schemas.microsoft.com/office/drawing/2010/main" w="9525">
+                <a:solidFill>
+                  <a:schemeClr val="tx1"/>
+                </a:solidFill>
+                <a:miter lim="800000"/>
+                <a:headEnd/>
+                <a:tailEnd/>
+              </a14:hiddenLine>
+            </a:ext>
+            <a:ext uri="{AF507438-7753-43E0-B8FC-AC1667EBCBE1}">
+              <a14:hiddenEffects xmlns:a14="http://schemas.microsoft.com/office/drawing/2010/main">
+                <a:effectLst>
+                  <a:outerShdw dist="35921" dir="2700000" algn="ctr" rotWithShape="0">
+                    <a:schemeClr val="bg2"/>
+                  </a:outerShdw>
+                </a:effectLst>
+              </a14:hiddenEffects>
+            </a:ext>
+          </a:extLst>
+        </p:spPr>
+        <p:txBody>
+          <a:bodyPr vert="horz" wrap="square" lIns="91440" tIns="45720" rIns="91440" bIns="45720" numCol="1" anchor="ctr" anchorCtr="0" compatLnSpc="1">
+            <a:prstTxWarp prst="textNoShape">
+              <a:avLst/>
+            </a:prstTxWarp>
+            <a:spAutoFit/>
+          </a:bodyPr>
+          <a:lstStyle/>
+          <a:p>
+            <a:pPr marL="0" marR="0" lvl="0" indent="0" algn="l" defTabSz="914400" rtl="0" eaLnBrk="0" fontAlgn="base" latinLnBrk="0" hangingPunct="0">
+              <a:lnSpc>
+                <a:spcPct val="100000"/>
+              </a:lnSpc>
+              <a:spcBef>
+                <a:spcPct val="0"/>
+              </a:spcBef>
+              <a:spcAft>
+                <a:spcPct val="0"/>
+              </a:spcAft>
+              <a:buClrTx/>
+              <a:buSzTx/>
+              <a:buFontTx/>
+              <a:buNone/>
+              <a:tabLst/>
+            </a:pPr>
+            <a:r>
+              <a:rPr kumimoji="0" lang="en-US" altLang="en-US" b="0" i="0" u="none" strike="noStrike" cap="none" normalizeH="0" baseline="0" dirty="0" smtClean="0">
+                <a:ln>
+                  <a:noFill/>
+                </a:ln>
+                <a:solidFill>
+                  <a:schemeClr val="tx1"/>
+                </a:solidFill>
+                <a:effectLst/>
+                <a:latin typeface="Arial" panose="020B0604020202020204" pitchFamily="34" charset="0"/>
+              </a:rPr>
+              <a:t>When multiple transaction requests are made at the same time, we need to decide the order of execution of these transactions. </a:t>
+            </a:r>
+          </a:p>
+          <a:p>
+            <a:pPr marL="0" marR="0" lvl="0" indent="0" algn="l" defTabSz="914400" rtl="0" eaLnBrk="0" fontAlgn="base" latinLnBrk="0" hangingPunct="0">
+              <a:lnSpc>
+                <a:spcPct val="100000"/>
+              </a:lnSpc>
+              <a:spcBef>
+                <a:spcPct val="0"/>
+              </a:spcBef>
+              <a:spcAft>
+                <a:spcPct val="0"/>
+              </a:spcAft>
+              <a:buClrTx/>
+              <a:buSzTx/>
+              <a:buFontTx/>
+              <a:buNone/>
+              <a:tabLst/>
+            </a:pPr>
+            <a:r>
+              <a:rPr kumimoji="0" lang="en-US" altLang="en-US" b="0" i="0" u="none" strike="noStrike" cap="none" normalizeH="0" baseline="0" dirty="0" smtClean="0">
+                <a:ln>
+                  <a:noFill/>
+                </a:ln>
+                <a:solidFill>
+                  <a:schemeClr val="tx1"/>
+                </a:solidFill>
+                <a:effectLst/>
+                <a:latin typeface="Arial" panose="020B0604020202020204" pitchFamily="34" charset="0"/>
+              </a:rPr>
+              <a:t>This chronological order of execution of transactions is called as a schedule of transactions in DBMS. </a:t>
+            </a:r>
+          </a:p>
+          <a:p>
+            <a:pPr marL="0" marR="0" lvl="0" indent="0" algn="l" defTabSz="914400" rtl="0" eaLnBrk="0" fontAlgn="base" latinLnBrk="0" hangingPunct="0">
+              <a:lnSpc>
+                <a:spcPct val="100000"/>
+              </a:lnSpc>
+              <a:spcBef>
+                <a:spcPct val="0"/>
+              </a:spcBef>
+              <a:spcAft>
+                <a:spcPct val="0"/>
+              </a:spcAft>
+              <a:buClrTx/>
+              <a:buSzTx/>
+              <a:buFontTx/>
+              <a:buNone/>
+              <a:tabLst/>
+            </a:pPr>
+            <a:r>
+              <a:rPr kumimoji="0" lang="en-US" altLang="en-US" b="0" i="0" u="none" strike="noStrike" cap="none" normalizeH="0" baseline="0" dirty="0" smtClean="0">
+                <a:ln>
+                  <a:noFill/>
+                </a:ln>
+                <a:solidFill>
+                  <a:schemeClr val="tx1"/>
+                </a:solidFill>
+                <a:effectLst/>
+                <a:latin typeface="Arial" panose="020B0604020202020204" pitchFamily="34" charset="0"/>
+              </a:rPr>
+              <a:t>It is mainly of two types, i.e. Serial Schedules and Non Serial Schedules.</a:t>
+            </a:r>
+            <a:endParaRPr kumimoji="0" lang="en-US" altLang="en-US" sz="1600" b="0" i="0" u="none" strike="noStrike" cap="none" normalizeH="0" baseline="0" dirty="0" smtClean="0">
+              <a:ln>
+                <a:noFill/>
+              </a:ln>
+              <a:solidFill>
+                <a:schemeClr val="tx1"/>
+              </a:solidFill>
+              <a:effectLst/>
+              <a:latin typeface="Arial" panose="020B0604020202020204" pitchFamily="34" charset="0"/>
+            </a:endParaRPr>
+          </a:p>
+          <a:p>
+            <a:pPr marL="0" marR="0" lvl="0" indent="0" algn="l" defTabSz="914400" rtl="0" eaLnBrk="0" fontAlgn="base" latinLnBrk="0" hangingPunct="0">
+              <a:lnSpc>
+                <a:spcPct val="100000"/>
+              </a:lnSpc>
+              <a:spcBef>
+                <a:spcPct val="0"/>
+              </a:spcBef>
+              <a:spcAft>
+                <a:spcPct val="0"/>
+              </a:spcAft>
+              <a:buClrTx/>
+              <a:buSzTx/>
+              <a:buFontTx/>
+              <a:buNone/>
+              <a:tabLst/>
+            </a:pPr>
+            <a:r>
+              <a:rPr kumimoji="0" lang="en-US" altLang="en-US" sz="2800" b="0" i="0" u="none" strike="noStrike" cap="none" normalizeH="0" baseline="0" dirty="0" smtClean="0">
+                <a:ln>
+                  <a:noFill/>
+                </a:ln>
+                <a:solidFill>
+                  <a:schemeClr val="tx1"/>
+                </a:solidFill>
+                <a:effectLst/>
+                <a:latin typeface="Arial" panose="020B0604020202020204" pitchFamily="34" charset="0"/>
+              </a:rPr>
+              <a:t/>
+            </a:r>
+            <a:br>
+              <a:rPr kumimoji="0" lang="en-US" altLang="en-US" sz="2800" b="0" i="0" u="none" strike="noStrike" cap="none" normalizeH="0" baseline="0" dirty="0" smtClean="0">
+                <a:ln>
+                  <a:noFill/>
+                </a:ln>
+                <a:solidFill>
+                  <a:schemeClr val="tx1"/>
+                </a:solidFill>
+                <a:effectLst/>
+                <a:latin typeface="Arial" panose="020B0604020202020204" pitchFamily="34" charset="0"/>
+              </a:rPr>
+            </a:br>
+            <a:endParaRPr kumimoji="0" lang="en-US" altLang="en-US" sz="2800" b="0" i="0" u="none" strike="noStrike" cap="none" normalizeH="0" baseline="0" dirty="0" smtClean="0">
+              <a:ln>
+                <a:noFill/>
+              </a:ln>
+              <a:solidFill>
+                <a:schemeClr val="tx1"/>
+              </a:solidFill>
+              <a:effectLst/>
+              <a:latin typeface="Arial" panose="020B0604020202020204" pitchFamily="34" charset="0"/>
+            </a:endParaRPr>
+          </a:p>
+        </p:txBody>
+      </p:sp>
+    </p:spTree>
+    <p:extLst>
+      <p:ext uri="{BB962C8B-B14F-4D97-AF65-F5344CB8AC3E}">
+        <p14:creationId xmlns:p14="http://schemas.microsoft.com/office/powerpoint/2010/main" val="86893684"/>
+      </p:ext>
+    </p:extLst>
+  </p:cSld>
+  <p:clrMapOvr>
+    <a:masterClrMapping/>
+  </p:clrMapOvr>
+</p:sld>
+</file>
+
+<file path=ppt/slides/slide15.xml><?xml version="1.0" encoding="utf-8"?>
+<p:sld xmlns:a="http://schemas.openxmlformats.org/drawingml/2006/main" xmlns:r="http://schemas.openxmlformats.org/officeDocument/2006/relationships" xmlns:p="http://schemas.openxmlformats.org/presentationml/2006/main">
+  <p:cSld>
+    <p:spTree>
+      <p:nvGrpSpPr>
+        <p:cNvPr id="1" name=""/>
+        <p:cNvGrpSpPr/>
+        <p:nvPr/>
+      </p:nvGrpSpPr>
+      <p:grpSpPr>
+        <a:xfrm>
+          <a:off x="0" y="0"/>
+          <a:ext cx="0" cy="0"/>
+          <a:chOff x="0" y="0"/>
+          <a:chExt cx="0" cy="0"/>
+        </a:xfrm>
+      </p:grpSpPr>
+      <p:sp>
+        <p:nvSpPr>
+          <p:cNvPr id="2" name="Rectangle 1"/>
+          <p:cNvSpPr/>
+          <p:nvPr/>
+        </p:nvSpPr>
+        <p:spPr>
+          <a:xfrm>
+            <a:off x="431074" y="313509"/>
+            <a:ext cx="11364686" cy="1384995"/>
+          </a:xfrm>
+          <a:prstGeom prst="rect">
+            <a:avLst/>
+          </a:prstGeom>
+        </p:spPr>
+        <p:txBody>
+          <a:bodyPr wrap="square">
+            <a:spAutoFit/>
+          </a:bodyPr>
+          <a:lstStyle/>
+          <a:p>
+            <a:r>
+              <a:rPr lang="en-US" sz="2800" dirty="0"/>
+              <a:t>create table worker(</a:t>
+            </a:r>
+            <a:r>
+              <a:rPr lang="en-US" sz="2800" dirty="0" err="1"/>
+              <a:t>worker_id</a:t>
+            </a:r>
+            <a:r>
+              <a:rPr lang="en-US" sz="2800" dirty="0"/>
+              <a:t> </a:t>
+            </a:r>
+            <a:r>
+              <a:rPr lang="en-US" sz="2800" dirty="0" err="1"/>
+              <a:t>int</a:t>
+            </a:r>
+            <a:r>
+              <a:rPr lang="en-US" sz="2800" dirty="0"/>
+              <a:t> </a:t>
+            </a:r>
+            <a:r>
+              <a:rPr lang="en-US" sz="2800" b="1" dirty="0"/>
+              <a:t>primary key</a:t>
+            </a:r>
+            <a:r>
+              <a:rPr lang="en-US" sz="2800" dirty="0"/>
+              <a:t> </a:t>
+            </a:r>
+            <a:r>
+              <a:rPr lang="en-US" sz="2800" b="1" dirty="0" err="1"/>
+              <a:t>auto_increment</a:t>
+            </a:r>
+            <a:r>
+              <a:rPr lang="en-US" sz="2800" b="1" dirty="0"/>
+              <a:t> </a:t>
+            </a:r>
+            <a:r>
+              <a:rPr lang="en-US" sz="2800" dirty="0"/>
+              <a:t>, </a:t>
+            </a:r>
+            <a:r>
+              <a:rPr lang="en-US" sz="2800" dirty="0" err="1"/>
+              <a:t>first_name</a:t>
+            </a:r>
+            <a:r>
+              <a:rPr lang="en-US" sz="2800" dirty="0"/>
+              <a:t> varchar(225),</a:t>
+            </a:r>
+            <a:r>
+              <a:rPr lang="en-US" sz="2800" dirty="0" err="1"/>
+              <a:t>last_name</a:t>
+            </a:r>
+            <a:r>
+              <a:rPr lang="en-US" sz="2800" dirty="0"/>
+              <a:t> varchar(225), salary </a:t>
+            </a:r>
+            <a:r>
+              <a:rPr lang="en-US" sz="2800" dirty="0" err="1"/>
+              <a:t>int</a:t>
+            </a:r>
+            <a:r>
+              <a:rPr lang="en-US" sz="2800" dirty="0"/>
+              <a:t> , </a:t>
+            </a:r>
+            <a:r>
+              <a:rPr lang="en-US" sz="2800" dirty="0" err="1"/>
+              <a:t>joining_date</a:t>
+            </a:r>
+            <a:r>
+              <a:rPr lang="en-US" sz="2800" dirty="0"/>
+              <a:t> </a:t>
+            </a:r>
+            <a:r>
+              <a:rPr lang="en-US" sz="2800" dirty="0" err="1"/>
+              <a:t>datetime</a:t>
+            </a:r>
+            <a:r>
+              <a:rPr lang="en-US" sz="2800" dirty="0"/>
+              <a:t> , department varchar(225))</a:t>
+            </a:r>
+          </a:p>
+        </p:txBody>
+      </p:sp>
+      <p:pic>
+        <p:nvPicPr>
+          <p:cNvPr id="3" name="Picture 2"/>
+          <p:cNvPicPr>
+            <a:picLocks noChangeAspect="1"/>
+          </p:cNvPicPr>
+          <p:nvPr/>
+        </p:nvPicPr>
+        <p:blipFill>
+          <a:blip r:embed="rId2"/>
+          <a:stretch>
+            <a:fillRect/>
+          </a:stretch>
+        </p:blipFill>
+        <p:spPr>
+          <a:xfrm>
+            <a:off x="255022" y="2097113"/>
+            <a:ext cx="11945147" cy="3559104"/>
+          </a:xfrm>
+          <a:prstGeom prst="rect">
+            <a:avLst/>
+          </a:prstGeom>
+        </p:spPr>
+      </p:pic>
+    </p:spTree>
+    <p:extLst>
+      <p:ext uri="{BB962C8B-B14F-4D97-AF65-F5344CB8AC3E}">
+        <p14:creationId xmlns:p14="http://schemas.microsoft.com/office/powerpoint/2010/main" val="1725990576"/>
+      </p:ext>
+    </p:extLst>
+  </p:cSld>
+  <p:clrMapOvr>
+    <a:masterClrMapping/>
+  </p:clrMapOvr>
+</p:sld>
+</file>
+
+<file path=ppt/slides/slide16.xml><?xml version="1.0" encoding="utf-8"?>
+<p:sld xmlns:a="http://schemas.openxmlformats.org/drawingml/2006/main" xmlns:r="http://schemas.openxmlformats.org/officeDocument/2006/relationships" xmlns:p="http://schemas.openxmlformats.org/presentationml/2006/main">
+  <p:cSld>
+    <p:spTree>
+      <p:nvGrpSpPr>
+        <p:cNvPr id="1" name=""/>
+        <p:cNvGrpSpPr/>
+        <p:nvPr/>
+      </p:nvGrpSpPr>
+      <p:grpSpPr>
+        <a:xfrm>
+          <a:off x="0" y="0"/>
+          <a:ext cx="0" cy="0"/>
+          <a:chOff x="0" y="0"/>
+          <a:chExt cx="0" cy="0"/>
+        </a:xfrm>
+      </p:grpSpPr>
+      <p:pic>
+        <p:nvPicPr>
+          <p:cNvPr id="3" name="Picture 2"/>
+          <p:cNvPicPr>
+            <a:picLocks noChangeAspect="1"/>
+          </p:cNvPicPr>
+          <p:nvPr/>
+        </p:nvPicPr>
+        <p:blipFill>
+          <a:blip r:embed="rId2"/>
+          <a:stretch>
+            <a:fillRect/>
+          </a:stretch>
+        </p:blipFill>
+        <p:spPr>
+          <a:xfrm>
+            <a:off x="161416" y="105490"/>
+            <a:ext cx="11910242" cy="2363390"/>
+          </a:xfrm>
+          <a:prstGeom prst="rect">
+            <a:avLst/>
+          </a:prstGeom>
+        </p:spPr>
+      </p:pic>
+      <p:sp>
+        <p:nvSpPr>
+          <p:cNvPr id="4" name="TextBox 3"/>
+          <p:cNvSpPr txBox="1"/>
+          <p:nvPr/>
+        </p:nvSpPr>
+        <p:spPr>
+          <a:xfrm>
+            <a:off x="731520" y="3122023"/>
+            <a:ext cx="5930537" cy="1200329"/>
+          </a:xfrm>
+          <a:prstGeom prst="rect">
+            <a:avLst/>
+          </a:prstGeom>
+          <a:noFill/>
+        </p:spPr>
+        <p:txBody>
+          <a:bodyPr wrap="square" rtlCol="0">
+            <a:spAutoFit/>
+          </a:bodyPr>
+          <a:lstStyle/>
+          <a:p>
+            <a:r>
+              <a:rPr lang="en-US" dirty="0" smtClean="0"/>
+              <a:t>Logical operator :</a:t>
+            </a:r>
+          </a:p>
+          <a:p>
+            <a:pPr marL="342900" indent="-342900">
+              <a:buAutoNum type="arabicPeriod"/>
+            </a:pPr>
+            <a:r>
+              <a:rPr lang="en-US" dirty="0" smtClean="0"/>
+              <a:t>AND </a:t>
+            </a:r>
+          </a:p>
+          <a:p>
+            <a:pPr marL="342900" indent="-342900">
+              <a:buAutoNum type="arabicPeriod"/>
+            </a:pPr>
+            <a:r>
+              <a:rPr lang="en-US" dirty="0" smtClean="0"/>
+              <a:t>OR</a:t>
+            </a:r>
+          </a:p>
+          <a:p>
+            <a:pPr marL="342900" indent="-342900">
+              <a:buAutoNum type="arabicPeriod"/>
+            </a:pPr>
+            <a:r>
+              <a:rPr lang="en-US" dirty="0" smtClean="0"/>
+              <a:t>NOT </a:t>
+            </a:r>
+            <a:endParaRPr lang="en-US" dirty="0"/>
+          </a:p>
+        </p:txBody>
+      </p:sp>
+    </p:spTree>
+    <p:extLst>
+      <p:ext uri="{BB962C8B-B14F-4D97-AF65-F5344CB8AC3E}">
+        <p14:creationId xmlns:p14="http://schemas.microsoft.com/office/powerpoint/2010/main" val="1691197027"/>
+      </p:ext>
+    </p:extLst>
+  </p:cSld>
+  <p:clrMapOvr>
+    <a:masterClrMapping/>
+  </p:clrMapOvr>
+</p:sld>
+</file>
+
+<file path=ppt/slides/slide17.xml><?xml version="1.0" encoding="utf-8"?>
+<p:sld xmlns:a="http://schemas.openxmlformats.org/drawingml/2006/main" xmlns:r="http://schemas.openxmlformats.org/officeDocument/2006/relationships" xmlns:p="http://schemas.openxmlformats.org/presentationml/2006/main">
+  <p:cSld>
+    <p:spTree>
+      <p:nvGrpSpPr>
+        <p:cNvPr id="1" name=""/>
+        <p:cNvGrpSpPr/>
+        <p:nvPr/>
+      </p:nvGrpSpPr>
+      <p:grpSpPr>
+        <a:xfrm>
+          <a:off x="0" y="0"/>
+          <a:ext cx="0" cy="0"/>
+          <a:chOff x="0" y="0"/>
+          <a:chExt cx="0" cy="0"/>
+        </a:xfrm>
+      </p:grpSpPr>
+      <p:pic>
+        <p:nvPicPr>
+          <p:cNvPr id="2" name="Picture 1"/>
+          <p:cNvPicPr>
+            <a:picLocks noChangeAspect="1"/>
+          </p:cNvPicPr>
+          <p:nvPr/>
+        </p:nvPicPr>
+        <p:blipFill>
+          <a:blip r:embed="rId2"/>
+          <a:stretch>
+            <a:fillRect/>
+          </a:stretch>
+        </p:blipFill>
+        <p:spPr>
+          <a:xfrm>
+            <a:off x="1580520" y="1642813"/>
+            <a:ext cx="9030960" cy="3572374"/>
+          </a:xfrm>
+          <a:prstGeom prst="rect">
+            <a:avLst/>
+          </a:prstGeom>
+        </p:spPr>
+      </p:pic>
+    </p:spTree>
+    <p:extLst>
+      <p:ext uri="{BB962C8B-B14F-4D97-AF65-F5344CB8AC3E}">
+        <p14:creationId xmlns:p14="http://schemas.microsoft.com/office/powerpoint/2010/main" val="3539959767"/>
+      </p:ext>
+    </p:extLst>
+  </p:cSld>
+  <p:clrMapOvr>
+    <a:masterClrMapping/>
+  </p:clrMapOvr>
+</p:sld>
+</file>
+
+<file path=ppt/slides/slide18.xml><?xml version="1.0" encoding="utf-8"?>
+<p:sld xmlns:a="http://schemas.openxmlformats.org/drawingml/2006/main" xmlns:r="http://schemas.openxmlformats.org/officeDocument/2006/relationships" xmlns:p="http://schemas.openxmlformats.org/presentationml/2006/main">
+  <p:cSld>
+    <p:spTree>
+      <p:nvGrpSpPr>
+        <p:cNvPr id="1" name=""/>
+        <p:cNvGrpSpPr/>
+        <p:nvPr/>
+      </p:nvGrpSpPr>
+      <p:grpSpPr>
+        <a:xfrm>
+          <a:off x="0" y="0"/>
+          <a:ext cx="0" cy="0"/>
+          <a:chOff x="0" y="0"/>
+          <a:chExt cx="0" cy="0"/>
+        </a:xfrm>
+      </p:grpSpPr>
+      <p:sp>
+        <p:nvSpPr>
+          <p:cNvPr id="2" name="Title 1"/>
+          <p:cNvSpPr>
+            <a:spLocks noGrp="1"/>
+          </p:cNvSpPr>
+          <p:nvPr>
+            <p:ph type="title"/>
+          </p:nvPr>
+        </p:nvSpPr>
+        <p:spPr/>
+        <p:txBody>
+          <a:bodyPr/>
+          <a:lstStyle/>
+          <a:p>
+            <a:r>
+              <a:rPr lang="en-US" dirty="0" smtClean="0"/>
+              <a:t>REGEX 	</a:t>
+            </a:r>
+            <a:endParaRPr lang="en-US" dirty="0"/>
+          </a:p>
+        </p:txBody>
+      </p:sp>
+      <p:pic>
+        <p:nvPicPr>
+          <p:cNvPr id="4" name="Content Placeholder 3"/>
+          <p:cNvPicPr>
+            <a:picLocks noGrp="1" noChangeAspect="1"/>
+          </p:cNvPicPr>
+          <p:nvPr>
+            <p:ph idx="1"/>
+          </p:nvPr>
+        </p:nvPicPr>
+        <p:blipFill>
+          <a:blip r:embed="rId2"/>
+          <a:stretch>
+            <a:fillRect/>
+          </a:stretch>
+        </p:blipFill>
+        <p:spPr>
+          <a:xfrm>
+            <a:off x="961037" y="2798483"/>
+            <a:ext cx="10175491" cy="2583414"/>
+          </a:xfrm>
+          <a:prstGeom prst="rect">
+            <a:avLst/>
+          </a:prstGeom>
+        </p:spPr>
+      </p:pic>
+    </p:spTree>
+    <p:extLst>
+      <p:ext uri="{BB962C8B-B14F-4D97-AF65-F5344CB8AC3E}">
+        <p14:creationId xmlns:p14="http://schemas.microsoft.com/office/powerpoint/2010/main" val="3571264497"/>
+      </p:ext>
+    </p:extLst>
+  </p:cSld>
+  <p:clrMapOvr>
+    <a:masterClrMapping/>
+  </p:clrMapOvr>
+</p:sld>
+</file>
+
+<file path=ppt/slides/slide19.xml><?xml version="1.0" encoding="utf-8"?>
+<p:sld xmlns:a="http://schemas.openxmlformats.org/drawingml/2006/main" xmlns:r="http://schemas.openxmlformats.org/officeDocument/2006/relationships" xmlns:p="http://schemas.openxmlformats.org/presentationml/2006/main">
+  <p:cSld>
+    <p:spTree>
+      <p:nvGrpSpPr>
+        <p:cNvPr id="1" name=""/>
+        <p:cNvGrpSpPr/>
+        <p:nvPr/>
+      </p:nvGrpSpPr>
+      <p:grpSpPr>
+        <a:xfrm>
+          <a:off x="0" y="0"/>
+          <a:ext cx="0" cy="0"/>
+          <a:chOff x="0" y="0"/>
+          <a:chExt cx="0" cy="0"/>
+        </a:xfrm>
+      </p:grpSpPr>
+    </p:spTree>
+    <p:extLst>
+      <p:ext uri="{BB962C8B-B14F-4D97-AF65-F5344CB8AC3E}">
+        <p14:creationId xmlns:p14="http://schemas.microsoft.com/office/powerpoint/2010/main" val="3224097883"/>
       </p:ext>
     </p:extLst>
   </p:cSld>
@@ -4255,6 +5271,857 @@
 </p:sld>
 </file>
 
+<file path=ppt/slides/slide20.xml><?xml version="1.0" encoding="utf-8"?>
+<p:sld xmlns:a="http://schemas.openxmlformats.org/drawingml/2006/main" xmlns:r="http://schemas.openxmlformats.org/officeDocument/2006/relationships" xmlns:p="http://schemas.openxmlformats.org/presentationml/2006/main">
+  <p:cSld>
+    <p:spTree>
+      <p:nvGrpSpPr>
+        <p:cNvPr id="1" name=""/>
+        <p:cNvGrpSpPr/>
+        <p:nvPr/>
+      </p:nvGrpSpPr>
+      <p:grpSpPr>
+        <a:xfrm>
+          <a:off x="0" y="0"/>
+          <a:ext cx="0" cy="0"/>
+          <a:chOff x="0" y="0"/>
+          <a:chExt cx="0" cy="0"/>
+        </a:xfrm>
+      </p:grpSpPr>
+      <p:sp>
+        <p:nvSpPr>
+          <p:cNvPr id="2" name="Rectangle 1"/>
+          <p:cNvSpPr/>
+          <p:nvPr/>
+        </p:nvSpPr>
+        <p:spPr>
+          <a:xfrm>
+            <a:off x="0" y="182879"/>
+            <a:ext cx="11521440" cy="1938992"/>
+          </a:xfrm>
+          <a:prstGeom prst="rect">
+            <a:avLst/>
+          </a:prstGeom>
+        </p:spPr>
+        <p:txBody>
+          <a:bodyPr wrap="square">
+            <a:spAutoFit/>
+          </a:bodyPr>
+          <a:lstStyle/>
+          <a:p>
+            <a:r>
+              <a:rPr lang="en-US" sz="2400" b="1" dirty="0"/>
+              <a:t>create table student (</a:t>
+            </a:r>
+            <a:r>
+              <a:rPr lang="en-US" sz="2400" b="1" dirty="0" err="1"/>
+              <a:t>stud_id</a:t>
+            </a:r>
+            <a:r>
+              <a:rPr lang="en-US" sz="2400" b="1" dirty="0"/>
+              <a:t> </a:t>
+            </a:r>
+            <a:r>
+              <a:rPr lang="en-US" sz="2400" b="1" dirty="0" err="1"/>
+              <a:t>int</a:t>
+            </a:r>
+            <a:r>
+              <a:rPr lang="en-US" sz="2400" b="1" dirty="0"/>
+              <a:t> primary key , name varchar(225),class varchar(225),marks double , gender </a:t>
+            </a:r>
+            <a:r>
+              <a:rPr lang="en-US" sz="2400" b="1" dirty="0" err="1"/>
+              <a:t>enum</a:t>
+            </a:r>
+            <a:r>
+              <a:rPr lang="en-US" sz="2400" b="1" dirty="0"/>
+              <a:t> ('</a:t>
+            </a:r>
+            <a:r>
+              <a:rPr lang="en-US" sz="2400" b="1" dirty="0" err="1"/>
+              <a:t>Male','Female</a:t>
+            </a:r>
+            <a:r>
+              <a:rPr lang="en-US" sz="2400" b="1" dirty="0"/>
+              <a:t>') </a:t>
+            </a:r>
+            <a:r>
+              <a:rPr lang="en-US" sz="2400" b="1" dirty="0" smtClean="0"/>
+              <a:t>);</a:t>
+            </a:r>
+          </a:p>
+          <a:p>
+            <a:endParaRPr lang="en-US" sz="2400" b="1" dirty="0"/>
+          </a:p>
+          <a:p>
+            <a:endParaRPr lang="en-US" sz="2400" b="1" dirty="0" smtClean="0"/>
+          </a:p>
+          <a:p>
+            <a:endParaRPr lang="en-US" sz="2400" b="1" dirty="0"/>
+          </a:p>
+        </p:txBody>
+      </p:sp>
+      <p:pic>
+        <p:nvPicPr>
+          <p:cNvPr id="3" name="Picture 2"/>
+          <p:cNvPicPr>
+            <a:picLocks noChangeAspect="1"/>
+          </p:cNvPicPr>
+          <p:nvPr/>
+        </p:nvPicPr>
+        <p:blipFill>
+          <a:blip r:embed="rId2"/>
+          <a:stretch>
+            <a:fillRect/>
+          </a:stretch>
+        </p:blipFill>
+        <p:spPr>
+          <a:xfrm>
+            <a:off x="304311" y="1152375"/>
+            <a:ext cx="9735856" cy="2910174"/>
+          </a:xfrm>
+          <a:prstGeom prst="rect">
+            <a:avLst/>
+          </a:prstGeom>
+        </p:spPr>
+      </p:pic>
+      <p:sp>
+        <p:nvSpPr>
+          <p:cNvPr id="4" name="Rectangle 3"/>
+          <p:cNvSpPr/>
+          <p:nvPr/>
+        </p:nvSpPr>
+        <p:spPr>
+          <a:xfrm>
+            <a:off x="0" y="3982616"/>
+            <a:ext cx="12030891" cy="2862322"/>
+          </a:xfrm>
+          <a:prstGeom prst="rect">
+            <a:avLst/>
+          </a:prstGeom>
+        </p:spPr>
+        <p:txBody>
+          <a:bodyPr wrap="square">
+            <a:spAutoFit/>
+          </a:bodyPr>
+          <a:lstStyle/>
+          <a:p>
+            <a:r>
+              <a:rPr lang="en-US" dirty="0"/>
+              <a:t> insert into student (</a:t>
+            </a:r>
+            <a:r>
+              <a:rPr lang="en-US" dirty="0" err="1"/>
+              <a:t>stud_id,name,class,marks,gender</a:t>
+            </a:r>
+            <a:r>
+              <a:rPr lang="en-US" dirty="0"/>
+              <a:t>) values (1,"Neha Tiwari","SIX",100,"FEMALE</a:t>
+            </a:r>
+            <a:r>
+              <a:rPr lang="en-US" dirty="0" smtClean="0"/>
+              <a:t>");</a:t>
+            </a:r>
+          </a:p>
+          <a:p>
+            <a:endParaRPr lang="en-US" dirty="0"/>
+          </a:p>
+          <a:p>
+            <a:endParaRPr lang="en-US" dirty="0" smtClean="0"/>
+          </a:p>
+          <a:p>
+            <a:endParaRPr lang="en-US" dirty="0"/>
+          </a:p>
+          <a:p>
+            <a:endParaRPr lang="en-US" dirty="0" smtClean="0"/>
+          </a:p>
+          <a:p>
+            <a:endParaRPr lang="en-US" dirty="0"/>
+          </a:p>
+          <a:p>
+            <a:endParaRPr lang="en-US" dirty="0" smtClean="0"/>
+          </a:p>
+          <a:p>
+            <a:endParaRPr lang="en-US" dirty="0"/>
+          </a:p>
+          <a:p>
+            <a:endParaRPr lang="en-US" dirty="0" smtClean="0"/>
+          </a:p>
+          <a:p>
+            <a:r>
+              <a:rPr lang="en-US" dirty="0" smtClean="0"/>
+              <a:t>** NOTE : MYSQL  is not case sensitive </a:t>
+            </a:r>
+            <a:endParaRPr lang="en-US" dirty="0"/>
+          </a:p>
+        </p:txBody>
+      </p:sp>
+      <p:pic>
+        <p:nvPicPr>
+          <p:cNvPr id="5" name="Picture 4"/>
+          <p:cNvPicPr>
+            <a:picLocks noChangeAspect="1"/>
+          </p:cNvPicPr>
+          <p:nvPr/>
+        </p:nvPicPr>
+        <p:blipFill>
+          <a:blip r:embed="rId3"/>
+          <a:stretch>
+            <a:fillRect/>
+          </a:stretch>
+        </p:blipFill>
+        <p:spPr>
+          <a:xfrm>
+            <a:off x="304310" y="4501197"/>
+            <a:ext cx="7977541" cy="1920519"/>
+          </a:xfrm>
+          <a:prstGeom prst="rect">
+            <a:avLst/>
+          </a:prstGeom>
+        </p:spPr>
+      </p:pic>
+    </p:spTree>
+    <p:extLst>
+      <p:ext uri="{BB962C8B-B14F-4D97-AF65-F5344CB8AC3E}">
+        <p14:creationId xmlns:p14="http://schemas.microsoft.com/office/powerpoint/2010/main" val="963757314"/>
+      </p:ext>
+    </p:extLst>
+  </p:cSld>
+  <p:clrMapOvr>
+    <a:masterClrMapping/>
+  </p:clrMapOvr>
+</p:sld>
+</file>
+
+<file path=ppt/slides/slide21.xml><?xml version="1.0" encoding="utf-8"?>
+<p:sld xmlns:a="http://schemas.openxmlformats.org/drawingml/2006/main" xmlns:r="http://schemas.openxmlformats.org/officeDocument/2006/relationships" xmlns:p="http://schemas.openxmlformats.org/presentationml/2006/main">
+  <p:cSld>
+    <p:spTree>
+      <p:nvGrpSpPr>
+        <p:cNvPr id="1" name=""/>
+        <p:cNvGrpSpPr/>
+        <p:nvPr/>
+      </p:nvGrpSpPr>
+      <p:grpSpPr>
+        <a:xfrm>
+          <a:off x="0" y="0"/>
+          <a:ext cx="0" cy="0"/>
+          <a:chOff x="0" y="0"/>
+          <a:chExt cx="0" cy="0"/>
+        </a:xfrm>
+      </p:grpSpPr>
+      <p:sp>
+        <p:nvSpPr>
+          <p:cNvPr id="2" name="TextBox 1"/>
+          <p:cNvSpPr txBox="1"/>
+          <p:nvPr/>
+        </p:nvSpPr>
+        <p:spPr>
+          <a:xfrm>
+            <a:off x="313509" y="222069"/>
+            <a:ext cx="11469188" cy="2031325"/>
+          </a:xfrm>
+          <a:prstGeom prst="rect">
+            <a:avLst/>
+          </a:prstGeom>
+          <a:noFill/>
+        </p:spPr>
+        <p:txBody>
+          <a:bodyPr wrap="square" rtlCol="0">
+            <a:spAutoFit/>
+          </a:bodyPr>
+          <a:lstStyle/>
+          <a:p>
+            <a:r>
+              <a:rPr lang="en-US" dirty="0" smtClean="0"/>
+              <a:t>Insert query remains same for one insertion of data or multiple </a:t>
+            </a:r>
+          </a:p>
+          <a:p>
+            <a:r>
+              <a:rPr lang="en-US" dirty="0" err="1" smtClean="0"/>
+              <a:t>Eg</a:t>
+            </a:r>
+            <a:r>
+              <a:rPr lang="en-US" dirty="0" smtClean="0"/>
+              <a:t> :</a:t>
+            </a:r>
+          </a:p>
+          <a:p>
+            <a:r>
+              <a:rPr lang="en-US" dirty="0"/>
+              <a:t>insert into student (</a:t>
+            </a:r>
+            <a:r>
+              <a:rPr lang="en-US" dirty="0" err="1"/>
+              <a:t>stud_id,name,class,marks,gender</a:t>
+            </a:r>
+            <a:r>
+              <a:rPr lang="en-US" dirty="0"/>
+              <a:t>) values (2, 'John </a:t>
+            </a:r>
+            <a:r>
+              <a:rPr lang="en-US" dirty="0" err="1"/>
+              <a:t>Deo</a:t>
+            </a:r>
+            <a:r>
+              <a:rPr lang="en-US" dirty="0"/>
+              <a:t>', 'Four', 75, 'female</a:t>
+            </a:r>
+            <a:r>
+              <a:rPr lang="en-US" dirty="0" smtClean="0"/>
+              <a:t>');</a:t>
+            </a:r>
+          </a:p>
+          <a:p>
+            <a:endParaRPr lang="en-US" dirty="0"/>
+          </a:p>
+          <a:p>
+            <a:endParaRPr lang="en-US" dirty="0"/>
+          </a:p>
+          <a:p>
+            <a:r>
+              <a:rPr lang="en-US" dirty="0"/>
+              <a:t>insert into student (</a:t>
+            </a:r>
+            <a:r>
+              <a:rPr lang="en-US" dirty="0" err="1"/>
+              <a:t>stud_id,name,class,marks,gender</a:t>
+            </a:r>
+            <a:r>
+              <a:rPr lang="en-US" dirty="0"/>
+              <a:t>) values (3, 'Max Ruin', 'Three', 85, 'male'),(4,'Arnold', 'Three', 55, 'male');</a:t>
+            </a:r>
+          </a:p>
+        </p:txBody>
+      </p:sp>
+      <p:pic>
+        <p:nvPicPr>
+          <p:cNvPr id="3" name="Picture 2"/>
+          <p:cNvPicPr>
+            <a:picLocks noChangeAspect="1"/>
+          </p:cNvPicPr>
+          <p:nvPr/>
+        </p:nvPicPr>
+        <p:blipFill rotWithShape="1">
+          <a:blip r:embed="rId2"/>
+          <a:srcRect t="14846" r="59484" b="3378"/>
+          <a:stretch/>
+        </p:blipFill>
+        <p:spPr>
+          <a:xfrm>
+            <a:off x="1188720" y="2253394"/>
+            <a:ext cx="10202091" cy="4203878"/>
+          </a:xfrm>
+          <a:prstGeom prst="rect">
+            <a:avLst/>
+          </a:prstGeom>
+        </p:spPr>
+      </p:pic>
+    </p:spTree>
+    <p:extLst>
+      <p:ext uri="{BB962C8B-B14F-4D97-AF65-F5344CB8AC3E}">
+        <p14:creationId xmlns:p14="http://schemas.microsoft.com/office/powerpoint/2010/main" val="3188473892"/>
+      </p:ext>
+    </p:extLst>
+  </p:cSld>
+  <p:clrMapOvr>
+    <a:masterClrMapping/>
+  </p:clrMapOvr>
+</p:sld>
+</file>
+
+<file path=ppt/slides/slide22.xml><?xml version="1.0" encoding="utf-8"?>
+<p:sld xmlns:a="http://schemas.openxmlformats.org/drawingml/2006/main" xmlns:r="http://schemas.openxmlformats.org/officeDocument/2006/relationships" xmlns:p="http://schemas.openxmlformats.org/presentationml/2006/main">
+  <p:cSld>
+    <p:spTree>
+      <p:nvGrpSpPr>
+        <p:cNvPr id="1" name=""/>
+        <p:cNvGrpSpPr/>
+        <p:nvPr/>
+      </p:nvGrpSpPr>
+      <p:grpSpPr>
+        <a:xfrm>
+          <a:off x="0" y="0"/>
+          <a:ext cx="0" cy="0"/>
+          <a:chOff x="0" y="0"/>
+          <a:chExt cx="0" cy="0"/>
+        </a:xfrm>
+      </p:grpSpPr>
+      <p:pic>
+        <p:nvPicPr>
+          <p:cNvPr id="2" name="Picture 1"/>
+          <p:cNvPicPr>
+            <a:picLocks noChangeAspect="1"/>
+          </p:cNvPicPr>
+          <p:nvPr/>
+        </p:nvPicPr>
+        <p:blipFill>
+          <a:blip r:embed="rId2"/>
+          <a:stretch>
+            <a:fillRect/>
+          </a:stretch>
+        </p:blipFill>
+        <p:spPr>
+          <a:xfrm>
+            <a:off x="2842758" y="580627"/>
+            <a:ext cx="7124202" cy="6237588"/>
+          </a:xfrm>
+          <a:prstGeom prst="rect">
+            <a:avLst/>
+          </a:prstGeom>
+        </p:spPr>
+      </p:pic>
+      <p:sp>
+        <p:nvSpPr>
+          <p:cNvPr id="3" name="TextBox 2"/>
+          <p:cNvSpPr txBox="1"/>
+          <p:nvPr/>
+        </p:nvSpPr>
+        <p:spPr>
+          <a:xfrm>
+            <a:off x="235131" y="182880"/>
+            <a:ext cx="9823269" cy="369332"/>
+          </a:xfrm>
+          <a:prstGeom prst="rect">
+            <a:avLst/>
+          </a:prstGeom>
+          <a:noFill/>
+        </p:spPr>
+        <p:txBody>
+          <a:bodyPr wrap="square" rtlCol="0">
+            <a:spAutoFit/>
+          </a:bodyPr>
+          <a:lstStyle/>
+          <a:p>
+            <a:r>
+              <a:rPr lang="en-US" dirty="0" smtClean="0"/>
+              <a:t>ALTER TABLE STUDENT ADD  PRESENT BOOLEAN ;</a:t>
+            </a:r>
+            <a:endParaRPr lang="en-US" dirty="0"/>
+          </a:p>
+        </p:txBody>
+      </p:sp>
+    </p:spTree>
+    <p:extLst>
+      <p:ext uri="{BB962C8B-B14F-4D97-AF65-F5344CB8AC3E}">
+        <p14:creationId xmlns:p14="http://schemas.microsoft.com/office/powerpoint/2010/main" val="2058334102"/>
+      </p:ext>
+    </p:extLst>
+  </p:cSld>
+  <p:clrMapOvr>
+    <a:masterClrMapping/>
+  </p:clrMapOvr>
+</p:sld>
+</file>
+
+<file path=ppt/slides/slide23.xml><?xml version="1.0" encoding="utf-8"?>
+<p:sld xmlns:a="http://schemas.openxmlformats.org/drawingml/2006/main" xmlns:r="http://schemas.openxmlformats.org/officeDocument/2006/relationships" xmlns:p="http://schemas.openxmlformats.org/presentationml/2006/main">
+  <p:cSld>
+    <p:spTree>
+      <p:nvGrpSpPr>
+        <p:cNvPr id="1" name=""/>
+        <p:cNvGrpSpPr/>
+        <p:nvPr/>
+      </p:nvGrpSpPr>
+      <p:grpSpPr>
+        <a:xfrm>
+          <a:off x="0" y="0"/>
+          <a:ext cx="0" cy="0"/>
+          <a:chOff x="0" y="0"/>
+          <a:chExt cx="0" cy="0"/>
+        </a:xfrm>
+      </p:grpSpPr>
+      <p:pic>
+        <p:nvPicPr>
+          <p:cNvPr id="2" name="Picture 1"/>
+          <p:cNvPicPr>
+            <a:picLocks noChangeAspect="1"/>
+          </p:cNvPicPr>
+          <p:nvPr/>
+        </p:nvPicPr>
+        <p:blipFill>
+          <a:blip r:embed="rId2"/>
+          <a:stretch>
+            <a:fillRect/>
+          </a:stretch>
+        </p:blipFill>
+        <p:spPr>
+          <a:xfrm>
+            <a:off x="1601420" y="283989"/>
+            <a:ext cx="9854705" cy="6310191"/>
+          </a:xfrm>
+          <a:prstGeom prst="rect">
+            <a:avLst/>
+          </a:prstGeom>
+        </p:spPr>
+      </p:pic>
+    </p:spTree>
+    <p:extLst>
+      <p:ext uri="{BB962C8B-B14F-4D97-AF65-F5344CB8AC3E}">
+        <p14:creationId xmlns:p14="http://schemas.microsoft.com/office/powerpoint/2010/main" val="692071538"/>
+      </p:ext>
+    </p:extLst>
+  </p:cSld>
+  <p:clrMapOvr>
+    <a:masterClrMapping/>
+  </p:clrMapOvr>
+</p:sld>
+</file>
+
+<file path=ppt/slides/slide24.xml><?xml version="1.0" encoding="utf-8"?>
+<p:sld xmlns:a="http://schemas.openxmlformats.org/drawingml/2006/main" xmlns:r="http://schemas.openxmlformats.org/officeDocument/2006/relationships" xmlns:p="http://schemas.openxmlformats.org/presentationml/2006/main">
+  <p:cSld>
+    <p:spTree>
+      <p:nvGrpSpPr>
+        <p:cNvPr id="1" name=""/>
+        <p:cNvGrpSpPr/>
+        <p:nvPr/>
+      </p:nvGrpSpPr>
+      <p:grpSpPr>
+        <a:xfrm>
+          <a:off x="0" y="0"/>
+          <a:ext cx="0" cy="0"/>
+          <a:chOff x="0" y="0"/>
+          <a:chExt cx="0" cy="0"/>
+        </a:xfrm>
+      </p:grpSpPr>
+      <p:pic>
+        <p:nvPicPr>
+          <p:cNvPr id="2" name="Picture 1"/>
+          <p:cNvPicPr>
+            <a:picLocks noChangeAspect="1"/>
+          </p:cNvPicPr>
+          <p:nvPr/>
+        </p:nvPicPr>
+        <p:blipFill>
+          <a:blip r:embed="rId2"/>
+          <a:stretch>
+            <a:fillRect/>
+          </a:stretch>
+        </p:blipFill>
+        <p:spPr>
+          <a:xfrm>
+            <a:off x="730048" y="296621"/>
+            <a:ext cx="11110615" cy="6117241"/>
+          </a:xfrm>
+          <a:prstGeom prst="rect">
+            <a:avLst/>
+          </a:prstGeom>
+        </p:spPr>
+      </p:pic>
+    </p:spTree>
+    <p:extLst>
+      <p:ext uri="{BB962C8B-B14F-4D97-AF65-F5344CB8AC3E}">
+        <p14:creationId xmlns:p14="http://schemas.microsoft.com/office/powerpoint/2010/main" val="2382953879"/>
+      </p:ext>
+    </p:extLst>
+  </p:cSld>
+  <p:clrMapOvr>
+    <a:masterClrMapping/>
+  </p:clrMapOvr>
+</p:sld>
+</file>
+
+<file path=ppt/slides/slide25.xml><?xml version="1.0" encoding="utf-8"?>
+<p:sld xmlns:a="http://schemas.openxmlformats.org/drawingml/2006/main" xmlns:r="http://schemas.openxmlformats.org/officeDocument/2006/relationships" xmlns:p="http://schemas.openxmlformats.org/presentationml/2006/main">
+  <p:cSld>
+    <p:spTree>
+      <p:nvGrpSpPr>
+        <p:cNvPr id="1" name=""/>
+        <p:cNvGrpSpPr/>
+        <p:nvPr/>
+      </p:nvGrpSpPr>
+      <p:grpSpPr>
+        <a:xfrm>
+          <a:off x="0" y="0"/>
+          <a:ext cx="0" cy="0"/>
+          <a:chOff x="0" y="0"/>
+          <a:chExt cx="0" cy="0"/>
+        </a:xfrm>
+      </p:grpSpPr>
+      <p:pic>
+        <p:nvPicPr>
+          <p:cNvPr id="2" name="Picture 1"/>
+          <p:cNvPicPr>
+            <a:picLocks noChangeAspect="1"/>
+          </p:cNvPicPr>
+          <p:nvPr/>
+        </p:nvPicPr>
+        <p:blipFill>
+          <a:blip r:embed="rId2"/>
+          <a:stretch>
+            <a:fillRect/>
+          </a:stretch>
+        </p:blipFill>
+        <p:spPr>
+          <a:xfrm>
+            <a:off x="401023" y="267325"/>
+            <a:ext cx="10349708" cy="6457061"/>
+          </a:xfrm>
+          <a:prstGeom prst="rect">
+            <a:avLst/>
+          </a:prstGeom>
+        </p:spPr>
+      </p:pic>
+    </p:spTree>
+    <p:extLst>
+      <p:ext uri="{BB962C8B-B14F-4D97-AF65-F5344CB8AC3E}">
+        <p14:creationId xmlns:p14="http://schemas.microsoft.com/office/powerpoint/2010/main" val="1648991479"/>
+      </p:ext>
+    </p:extLst>
+  </p:cSld>
+  <p:clrMapOvr>
+    <a:masterClrMapping/>
+  </p:clrMapOvr>
+</p:sld>
+</file>
+
+<file path=ppt/slides/slide26.xml><?xml version="1.0" encoding="utf-8"?>
+<p:sld xmlns:a="http://schemas.openxmlformats.org/drawingml/2006/main" xmlns:r="http://schemas.openxmlformats.org/officeDocument/2006/relationships" xmlns:p="http://schemas.openxmlformats.org/presentationml/2006/main">
+  <p:cSld>
+    <p:spTree>
+      <p:nvGrpSpPr>
+        <p:cNvPr id="1" name=""/>
+        <p:cNvGrpSpPr/>
+        <p:nvPr/>
+      </p:nvGrpSpPr>
+      <p:grpSpPr>
+        <a:xfrm>
+          <a:off x="0" y="0"/>
+          <a:ext cx="0" cy="0"/>
+          <a:chOff x="0" y="0"/>
+          <a:chExt cx="0" cy="0"/>
+        </a:xfrm>
+      </p:grpSpPr>
+      <p:pic>
+        <p:nvPicPr>
+          <p:cNvPr id="2" name="Picture 1"/>
+          <p:cNvPicPr>
+            <a:picLocks noChangeAspect="1"/>
+          </p:cNvPicPr>
+          <p:nvPr/>
+        </p:nvPicPr>
+        <p:blipFill>
+          <a:blip r:embed="rId2"/>
+          <a:stretch>
+            <a:fillRect/>
+          </a:stretch>
+        </p:blipFill>
+        <p:spPr>
+          <a:xfrm>
+            <a:off x="941364" y="2426648"/>
+            <a:ext cx="10864793" cy="3856587"/>
+          </a:xfrm>
+          <a:prstGeom prst="rect">
+            <a:avLst/>
+          </a:prstGeom>
+        </p:spPr>
+      </p:pic>
+    </p:spTree>
+    <p:extLst>
+      <p:ext uri="{BB962C8B-B14F-4D97-AF65-F5344CB8AC3E}">
+        <p14:creationId xmlns:p14="http://schemas.microsoft.com/office/powerpoint/2010/main" val="2118188996"/>
+      </p:ext>
+    </p:extLst>
+  </p:cSld>
+  <p:clrMapOvr>
+    <a:masterClrMapping/>
+  </p:clrMapOvr>
+</p:sld>
+</file>
+
+<file path=ppt/slides/slide27.xml><?xml version="1.0" encoding="utf-8"?>
+<p:sld xmlns:a="http://schemas.openxmlformats.org/drawingml/2006/main" xmlns:r="http://schemas.openxmlformats.org/officeDocument/2006/relationships" xmlns:p="http://schemas.openxmlformats.org/presentationml/2006/main">
+  <p:cSld>
+    <p:spTree>
+      <p:nvGrpSpPr>
+        <p:cNvPr id="1" name=""/>
+        <p:cNvGrpSpPr/>
+        <p:nvPr/>
+      </p:nvGrpSpPr>
+      <p:grpSpPr>
+        <a:xfrm>
+          <a:off x="0" y="0"/>
+          <a:ext cx="0" cy="0"/>
+          <a:chOff x="0" y="0"/>
+          <a:chExt cx="0" cy="0"/>
+        </a:xfrm>
+      </p:grpSpPr>
+      <p:pic>
+        <p:nvPicPr>
+          <p:cNvPr id="2" name="Picture 1"/>
+          <p:cNvPicPr>
+            <a:picLocks noChangeAspect="1"/>
+          </p:cNvPicPr>
+          <p:nvPr/>
+        </p:nvPicPr>
+        <p:blipFill rotWithShape="1">
+          <a:blip r:embed="rId2"/>
+          <a:srcRect r="13257"/>
+          <a:stretch/>
+        </p:blipFill>
+        <p:spPr>
+          <a:xfrm>
+            <a:off x="455171" y="648235"/>
+            <a:ext cx="11247189" cy="5439056"/>
+          </a:xfrm>
+          <a:prstGeom prst="rect">
+            <a:avLst/>
+          </a:prstGeom>
+        </p:spPr>
+      </p:pic>
+    </p:spTree>
+    <p:extLst>
+      <p:ext uri="{BB962C8B-B14F-4D97-AF65-F5344CB8AC3E}">
+        <p14:creationId xmlns:p14="http://schemas.microsoft.com/office/powerpoint/2010/main" val="3329293001"/>
+      </p:ext>
+    </p:extLst>
+  </p:cSld>
+  <p:clrMapOvr>
+    <a:masterClrMapping/>
+  </p:clrMapOvr>
+</p:sld>
+</file>
+
+<file path=ppt/slides/slide28.xml><?xml version="1.0" encoding="utf-8"?>
+<p:sld xmlns:a="http://schemas.openxmlformats.org/drawingml/2006/main" xmlns:r="http://schemas.openxmlformats.org/officeDocument/2006/relationships" xmlns:p="http://schemas.openxmlformats.org/presentationml/2006/main">
+  <p:cSld>
+    <p:spTree>
+      <p:nvGrpSpPr>
+        <p:cNvPr id="1" name=""/>
+        <p:cNvGrpSpPr/>
+        <p:nvPr/>
+      </p:nvGrpSpPr>
+      <p:grpSpPr>
+        <a:xfrm>
+          <a:off x="0" y="0"/>
+          <a:ext cx="0" cy="0"/>
+          <a:chOff x="0" y="0"/>
+          <a:chExt cx="0" cy="0"/>
+        </a:xfrm>
+      </p:grpSpPr>
+      <p:pic>
+        <p:nvPicPr>
+          <p:cNvPr id="2" name="Picture 1"/>
+          <p:cNvPicPr>
+            <a:picLocks noChangeAspect="1"/>
+          </p:cNvPicPr>
+          <p:nvPr/>
+        </p:nvPicPr>
+        <p:blipFill>
+          <a:blip r:embed="rId2"/>
+          <a:stretch>
+            <a:fillRect/>
+          </a:stretch>
+        </p:blipFill>
+        <p:spPr>
+          <a:xfrm>
+            <a:off x="575030" y="1042510"/>
+            <a:ext cx="7906853" cy="4877481"/>
+          </a:xfrm>
+          <a:prstGeom prst="rect">
+            <a:avLst/>
+          </a:prstGeom>
+        </p:spPr>
+      </p:pic>
+      <p:sp>
+        <p:nvSpPr>
+          <p:cNvPr id="3" name="TextBox 2"/>
+          <p:cNvSpPr txBox="1"/>
+          <p:nvPr/>
+        </p:nvSpPr>
+        <p:spPr>
+          <a:xfrm>
+            <a:off x="1045029" y="248194"/>
+            <a:ext cx="7106194" cy="646331"/>
+          </a:xfrm>
+          <a:prstGeom prst="rect">
+            <a:avLst/>
+          </a:prstGeom>
+          <a:noFill/>
+        </p:spPr>
+        <p:txBody>
+          <a:bodyPr wrap="square" rtlCol="0">
+            <a:spAutoFit/>
+          </a:bodyPr>
+          <a:lstStyle/>
+          <a:p>
+            <a:pPr algn="ctr"/>
+            <a:r>
+              <a:rPr lang="en-US" sz="3600" b="1" dirty="0" smtClean="0"/>
+              <a:t>VALIDATION</a:t>
+            </a:r>
+            <a:endParaRPr lang="en-US" sz="3600" b="1" dirty="0"/>
+          </a:p>
+        </p:txBody>
+      </p:sp>
+    </p:spTree>
+    <p:extLst>
+      <p:ext uri="{BB962C8B-B14F-4D97-AF65-F5344CB8AC3E}">
+        <p14:creationId xmlns:p14="http://schemas.microsoft.com/office/powerpoint/2010/main" val="2821835190"/>
+      </p:ext>
+    </p:extLst>
+  </p:cSld>
+  <p:clrMapOvr>
+    <a:masterClrMapping/>
+  </p:clrMapOvr>
+</p:sld>
+</file>
+
+<file path=ppt/slides/slide29.xml><?xml version="1.0" encoding="utf-8"?>
+<p:sld xmlns:a="http://schemas.openxmlformats.org/drawingml/2006/main" xmlns:r="http://schemas.openxmlformats.org/officeDocument/2006/relationships" xmlns:p="http://schemas.openxmlformats.org/presentationml/2006/main">
+  <p:cSld>
+    <p:spTree>
+      <p:nvGrpSpPr>
+        <p:cNvPr id="1" name=""/>
+        <p:cNvGrpSpPr/>
+        <p:nvPr/>
+      </p:nvGrpSpPr>
+      <p:grpSpPr>
+        <a:xfrm>
+          <a:off x="0" y="0"/>
+          <a:ext cx="0" cy="0"/>
+          <a:chOff x="0" y="0"/>
+          <a:chExt cx="0" cy="0"/>
+        </a:xfrm>
+      </p:grpSpPr>
+      <p:pic>
+        <p:nvPicPr>
+          <p:cNvPr id="2" name="Picture 1"/>
+          <p:cNvPicPr>
+            <a:picLocks noChangeAspect="1"/>
+          </p:cNvPicPr>
+          <p:nvPr/>
+        </p:nvPicPr>
+        <p:blipFill rotWithShape="1">
+          <a:blip r:embed="rId2"/>
+          <a:srcRect t="11590" r="15754"/>
+          <a:stretch/>
+        </p:blipFill>
+        <p:spPr>
+          <a:xfrm>
+            <a:off x="305839" y="927462"/>
+            <a:ext cx="10823715" cy="5564777"/>
+          </a:xfrm>
+          <a:prstGeom prst="rect">
+            <a:avLst/>
+          </a:prstGeom>
+        </p:spPr>
+      </p:pic>
+    </p:spTree>
+    <p:extLst>
+      <p:ext uri="{BB962C8B-B14F-4D97-AF65-F5344CB8AC3E}">
+        <p14:creationId xmlns:p14="http://schemas.microsoft.com/office/powerpoint/2010/main" val="3580090215"/>
+      </p:ext>
+    </p:extLst>
+  </p:cSld>
+  <p:clrMapOvr>
+    <a:masterClrMapping/>
+  </p:clrMapOvr>
+</p:sld>
+</file>
+
 <file path=ppt/slides/slide3.xml><?xml version="1.0" encoding="utf-8"?>
 <p:sld xmlns:a="http://schemas.openxmlformats.org/drawingml/2006/main" xmlns:r="http://schemas.openxmlformats.org/officeDocument/2006/relationships" xmlns:p="http://schemas.openxmlformats.org/presentationml/2006/main">
   <p:cSld>
@@ -4305,6 +6172,472 @@
     <p:extLst>
       <p:ext uri="{BB962C8B-B14F-4D97-AF65-F5344CB8AC3E}">
         <p14:creationId xmlns:p14="http://schemas.microsoft.com/office/powerpoint/2010/main" val="2380000362"/>
+      </p:ext>
+    </p:extLst>
+  </p:cSld>
+  <p:clrMapOvr>
+    <a:masterClrMapping/>
+  </p:clrMapOvr>
+</p:sld>
+</file>
+
+<file path=ppt/slides/slide30.xml><?xml version="1.0" encoding="utf-8"?>
+<p:sld xmlns:a="http://schemas.openxmlformats.org/drawingml/2006/main" xmlns:r="http://schemas.openxmlformats.org/officeDocument/2006/relationships" xmlns:p="http://schemas.openxmlformats.org/presentationml/2006/main">
+  <p:cSld>
+    <p:spTree>
+      <p:nvGrpSpPr>
+        <p:cNvPr id="1" name=""/>
+        <p:cNvGrpSpPr/>
+        <p:nvPr/>
+      </p:nvGrpSpPr>
+      <p:grpSpPr>
+        <a:xfrm>
+          <a:off x="0" y="0"/>
+          <a:ext cx="0" cy="0"/>
+          <a:chOff x="0" y="0"/>
+          <a:chExt cx="0" cy="0"/>
+        </a:xfrm>
+      </p:grpSpPr>
+      <p:pic>
+        <p:nvPicPr>
+          <p:cNvPr id="2" name="Picture 1"/>
+          <p:cNvPicPr>
+            <a:picLocks noChangeAspect="1"/>
+          </p:cNvPicPr>
+          <p:nvPr/>
+        </p:nvPicPr>
+        <p:blipFill>
+          <a:blip r:embed="rId2"/>
+          <a:stretch>
+            <a:fillRect/>
+          </a:stretch>
+        </p:blipFill>
+        <p:spPr>
+          <a:xfrm>
+            <a:off x="237115" y="1104321"/>
+            <a:ext cx="11653529" cy="868171"/>
+          </a:xfrm>
+          <a:prstGeom prst="rect">
+            <a:avLst/>
+          </a:prstGeom>
+        </p:spPr>
+      </p:pic>
+      <p:sp>
+        <p:nvSpPr>
+          <p:cNvPr id="4" name="Rectangle 3"/>
+          <p:cNvSpPr/>
+          <p:nvPr/>
+        </p:nvSpPr>
+        <p:spPr>
+          <a:xfrm>
+            <a:off x="383177" y="224134"/>
+            <a:ext cx="8133806" cy="646331"/>
+          </a:xfrm>
+          <a:prstGeom prst="rect">
+            <a:avLst/>
+          </a:prstGeom>
+        </p:spPr>
+        <p:txBody>
+          <a:bodyPr wrap="square">
+            <a:spAutoFit/>
+          </a:bodyPr>
+          <a:lstStyle/>
+          <a:p>
+            <a:r>
+              <a:rPr lang="en-US" dirty="0"/>
+              <a:t>DELETE FROM STUDENT_DETAILS WHERE STUD_ID IN (34,35);</a:t>
+            </a:r>
+          </a:p>
+          <a:p>
+            <a:r>
+              <a:rPr lang="en-US" dirty="0"/>
+              <a:t>Query OK, 2 rows affected (0.01 sec)</a:t>
+            </a:r>
+          </a:p>
+        </p:txBody>
+      </p:sp>
+    </p:spTree>
+    <p:extLst>
+      <p:ext uri="{BB962C8B-B14F-4D97-AF65-F5344CB8AC3E}">
+        <p14:creationId xmlns:p14="http://schemas.microsoft.com/office/powerpoint/2010/main" val="1347593237"/>
+      </p:ext>
+    </p:extLst>
+  </p:cSld>
+  <p:clrMapOvr>
+    <a:masterClrMapping/>
+  </p:clrMapOvr>
+</p:sld>
+</file>
+
+<file path=ppt/slides/slide31.xml><?xml version="1.0" encoding="utf-8"?>
+<p:sld xmlns:a="http://schemas.openxmlformats.org/drawingml/2006/main" xmlns:r="http://schemas.openxmlformats.org/officeDocument/2006/relationships" xmlns:p="http://schemas.openxmlformats.org/presentationml/2006/main">
+  <p:cSld>
+    <p:spTree>
+      <p:nvGrpSpPr>
+        <p:cNvPr id="1" name=""/>
+        <p:cNvGrpSpPr/>
+        <p:nvPr/>
+      </p:nvGrpSpPr>
+      <p:grpSpPr>
+        <a:xfrm>
+          <a:off x="0" y="0"/>
+          <a:ext cx="0" cy="0"/>
+          <a:chOff x="0" y="0"/>
+          <a:chExt cx="0" cy="0"/>
+        </a:xfrm>
+      </p:grpSpPr>
+      <p:sp>
+        <p:nvSpPr>
+          <p:cNvPr id="2" name="TextBox 1"/>
+          <p:cNvSpPr txBox="1"/>
+          <p:nvPr/>
+        </p:nvSpPr>
+        <p:spPr>
+          <a:xfrm>
+            <a:off x="248194" y="195943"/>
+            <a:ext cx="11534503" cy="646331"/>
+          </a:xfrm>
+          <a:prstGeom prst="rect">
+            <a:avLst/>
+          </a:prstGeom>
+          <a:noFill/>
+        </p:spPr>
+        <p:txBody>
+          <a:bodyPr wrap="square" rtlCol="0">
+            <a:spAutoFit/>
+          </a:bodyPr>
+          <a:lstStyle/>
+          <a:p>
+            <a:r>
+              <a:rPr lang="en-US" dirty="0" smtClean="0"/>
+              <a:t>BETWEEN : ONLY WITH NUMBERS  AND INCLUSIVE IN NUMBERS;</a:t>
+            </a:r>
+          </a:p>
+          <a:p>
+            <a:endParaRPr lang="en-US" dirty="0"/>
+          </a:p>
+        </p:txBody>
+      </p:sp>
+      <p:pic>
+        <p:nvPicPr>
+          <p:cNvPr id="3" name="Picture 2"/>
+          <p:cNvPicPr>
+            <a:picLocks noChangeAspect="1"/>
+          </p:cNvPicPr>
+          <p:nvPr/>
+        </p:nvPicPr>
+        <p:blipFill>
+          <a:blip r:embed="rId2"/>
+          <a:stretch>
+            <a:fillRect/>
+          </a:stretch>
+        </p:blipFill>
+        <p:spPr>
+          <a:xfrm>
+            <a:off x="1108951" y="1106025"/>
+            <a:ext cx="8249801" cy="5325218"/>
+          </a:xfrm>
+          <a:prstGeom prst="rect">
+            <a:avLst/>
+          </a:prstGeom>
+        </p:spPr>
+      </p:pic>
+    </p:spTree>
+    <p:extLst>
+      <p:ext uri="{BB962C8B-B14F-4D97-AF65-F5344CB8AC3E}">
+        <p14:creationId xmlns:p14="http://schemas.microsoft.com/office/powerpoint/2010/main" val="623823999"/>
+      </p:ext>
+    </p:extLst>
+  </p:cSld>
+  <p:clrMapOvr>
+    <a:masterClrMapping/>
+  </p:clrMapOvr>
+</p:sld>
+</file>
+
+<file path=ppt/slides/slide32.xml><?xml version="1.0" encoding="utf-8"?>
+<p:sld xmlns:a="http://schemas.openxmlformats.org/drawingml/2006/main" xmlns:r="http://schemas.openxmlformats.org/officeDocument/2006/relationships" xmlns:p="http://schemas.openxmlformats.org/presentationml/2006/main">
+  <p:cSld>
+    <p:spTree>
+      <p:nvGrpSpPr>
+        <p:cNvPr id="1" name=""/>
+        <p:cNvGrpSpPr/>
+        <p:nvPr/>
+      </p:nvGrpSpPr>
+      <p:grpSpPr>
+        <a:xfrm>
+          <a:off x="0" y="0"/>
+          <a:ext cx="0" cy="0"/>
+          <a:chOff x="0" y="0"/>
+          <a:chExt cx="0" cy="0"/>
+        </a:xfrm>
+      </p:grpSpPr>
+      <p:pic>
+        <p:nvPicPr>
+          <p:cNvPr id="2" name="Picture 1"/>
+          <p:cNvPicPr>
+            <a:picLocks noChangeAspect="1"/>
+          </p:cNvPicPr>
+          <p:nvPr/>
+        </p:nvPicPr>
+        <p:blipFill>
+          <a:blip r:embed="rId2"/>
+          <a:stretch>
+            <a:fillRect/>
+          </a:stretch>
+        </p:blipFill>
+        <p:spPr>
+          <a:xfrm>
+            <a:off x="537148" y="1389043"/>
+            <a:ext cx="8688012" cy="1571844"/>
+          </a:xfrm>
+          <a:prstGeom prst="rect">
+            <a:avLst/>
+          </a:prstGeom>
+        </p:spPr>
+      </p:pic>
+      <p:sp>
+        <p:nvSpPr>
+          <p:cNvPr id="3" name="TextBox 2"/>
+          <p:cNvSpPr txBox="1"/>
+          <p:nvPr/>
+        </p:nvSpPr>
+        <p:spPr>
+          <a:xfrm>
+            <a:off x="313508" y="222069"/>
+            <a:ext cx="11456125" cy="3416320"/>
+          </a:xfrm>
+          <a:prstGeom prst="rect">
+            <a:avLst/>
+          </a:prstGeom>
+          <a:noFill/>
+        </p:spPr>
+        <p:txBody>
+          <a:bodyPr wrap="square" rtlCol="0">
+            <a:spAutoFit/>
+          </a:bodyPr>
+          <a:lstStyle/>
+          <a:p>
+            <a:r>
+              <a:rPr lang="en-US" dirty="0" smtClean="0"/>
+              <a:t>IN : to provide a list of data to filter it out from the whole table  </a:t>
+            </a:r>
+            <a:r>
+              <a:rPr lang="en-US" b="1" dirty="0" smtClean="0"/>
+              <a:t>(OR gate internally)</a:t>
+            </a:r>
+          </a:p>
+          <a:p>
+            <a:endParaRPr lang="en-US" b="1" dirty="0"/>
+          </a:p>
+          <a:p>
+            <a:endParaRPr lang="en-US" b="1" dirty="0" smtClean="0"/>
+          </a:p>
+          <a:p>
+            <a:endParaRPr lang="en-US" b="1" dirty="0"/>
+          </a:p>
+          <a:p>
+            <a:endParaRPr lang="en-US" b="1" dirty="0" smtClean="0"/>
+          </a:p>
+          <a:p>
+            <a:endParaRPr lang="en-US" b="1" dirty="0"/>
+          </a:p>
+          <a:p>
+            <a:endParaRPr lang="en-US" b="1" dirty="0" smtClean="0"/>
+          </a:p>
+          <a:p>
+            <a:endParaRPr lang="en-US" b="1" dirty="0"/>
+          </a:p>
+          <a:p>
+            <a:endParaRPr lang="en-US" b="1" dirty="0" smtClean="0"/>
+          </a:p>
+          <a:p>
+            <a:endParaRPr lang="en-US" b="1" dirty="0"/>
+          </a:p>
+          <a:p>
+            <a:endParaRPr lang="en-US" b="1" dirty="0" smtClean="0"/>
+          </a:p>
+          <a:p>
+            <a:r>
+              <a:rPr lang="en-US" b="1" dirty="0" smtClean="0"/>
+              <a:t>LIKE  </a:t>
+            </a:r>
+            <a:endParaRPr lang="en-US" b="1" dirty="0"/>
+          </a:p>
+        </p:txBody>
+      </p:sp>
+      <p:pic>
+        <p:nvPicPr>
+          <p:cNvPr id="4" name="Picture 3"/>
+          <p:cNvPicPr>
+            <a:picLocks noChangeAspect="1"/>
+          </p:cNvPicPr>
+          <p:nvPr/>
+        </p:nvPicPr>
+        <p:blipFill rotWithShape="1">
+          <a:blip r:embed="rId3"/>
+          <a:srcRect b="67554"/>
+          <a:stretch/>
+        </p:blipFill>
+        <p:spPr>
+          <a:xfrm>
+            <a:off x="313508" y="3758529"/>
+            <a:ext cx="6487430" cy="1193102"/>
+          </a:xfrm>
+          <a:prstGeom prst="rect">
+            <a:avLst/>
+          </a:prstGeom>
+        </p:spPr>
+      </p:pic>
+      <p:pic>
+        <p:nvPicPr>
+          <p:cNvPr id="5" name="Picture 4"/>
+          <p:cNvPicPr>
+            <a:picLocks noChangeAspect="1"/>
+          </p:cNvPicPr>
+          <p:nvPr/>
+        </p:nvPicPr>
+        <p:blipFill rotWithShape="1">
+          <a:blip r:embed="rId3"/>
+          <a:srcRect t="62256"/>
+          <a:stretch/>
+        </p:blipFill>
+        <p:spPr>
+          <a:xfrm>
+            <a:off x="313508" y="5330374"/>
+            <a:ext cx="6487430" cy="1387912"/>
+          </a:xfrm>
+          <a:prstGeom prst="rect">
+            <a:avLst/>
+          </a:prstGeom>
+        </p:spPr>
+      </p:pic>
+      <p:pic>
+        <p:nvPicPr>
+          <p:cNvPr id="6" name="Picture 5"/>
+          <p:cNvPicPr>
+            <a:picLocks noChangeAspect="1"/>
+          </p:cNvPicPr>
+          <p:nvPr/>
+        </p:nvPicPr>
+        <p:blipFill>
+          <a:blip r:embed="rId4"/>
+          <a:stretch>
+            <a:fillRect/>
+          </a:stretch>
+        </p:blipFill>
+        <p:spPr>
+          <a:xfrm>
+            <a:off x="5877369" y="2805896"/>
+            <a:ext cx="6115904" cy="952633"/>
+          </a:xfrm>
+          <a:prstGeom prst="rect">
+            <a:avLst/>
+          </a:prstGeom>
+        </p:spPr>
+      </p:pic>
+    </p:spTree>
+    <p:extLst>
+      <p:ext uri="{BB962C8B-B14F-4D97-AF65-F5344CB8AC3E}">
+        <p14:creationId xmlns:p14="http://schemas.microsoft.com/office/powerpoint/2010/main" val="1554552282"/>
+      </p:ext>
+    </p:extLst>
+  </p:cSld>
+  <p:clrMapOvr>
+    <a:masterClrMapping/>
+  </p:clrMapOvr>
+</p:sld>
+</file>
+
+<file path=ppt/slides/slide33.xml><?xml version="1.0" encoding="utf-8"?>
+<p:sld xmlns:a="http://schemas.openxmlformats.org/drawingml/2006/main" xmlns:r="http://schemas.openxmlformats.org/officeDocument/2006/relationships" xmlns:p="http://schemas.openxmlformats.org/presentationml/2006/main">
+  <p:cSld>
+    <p:spTree>
+      <p:nvGrpSpPr>
+        <p:cNvPr id="1" name=""/>
+        <p:cNvGrpSpPr/>
+        <p:nvPr/>
+      </p:nvGrpSpPr>
+      <p:grpSpPr>
+        <a:xfrm>
+          <a:off x="0" y="0"/>
+          <a:ext cx="0" cy="0"/>
+          <a:chOff x="0" y="0"/>
+          <a:chExt cx="0" cy="0"/>
+        </a:xfrm>
+      </p:grpSpPr>
+      <p:sp>
+        <p:nvSpPr>
+          <p:cNvPr id="2" name="TextBox 1"/>
+          <p:cNvSpPr txBox="1"/>
+          <p:nvPr/>
+        </p:nvSpPr>
+        <p:spPr>
+          <a:xfrm>
+            <a:off x="352697" y="600891"/>
+            <a:ext cx="11168743" cy="830997"/>
+          </a:xfrm>
+          <a:prstGeom prst="rect">
+            <a:avLst/>
+          </a:prstGeom>
+          <a:noFill/>
+        </p:spPr>
+        <p:txBody>
+          <a:bodyPr wrap="square" rtlCol="0">
+            <a:spAutoFit/>
+          </a:bodyPr>
+          <a:lstStyle/>
+          <a:p>
+            <a:r>
+              <a:rPr lang="en-US" sz="2400" dirty="0" smtClean="0"/>
+              <a:t>ORDER BY : </a:t>
+            </a:r>
+            <a:r>
+              <a:rPr lang="en-US" sz="2400" b="1" u="sng" dirty="0" smtClean="0"/>
+              <a:t>FOR SORTING     (applicable for all columns )</a:t>
+            </a:r>
+          </a:p>
+          <a:p>
+            <a:r>
+              <a:rPr lang="en-US" sz="2400" b="1" u="sng" smtClean="0"/>
+              <a:t>(2 mode : ASC     AND     DESC) </a:t>
+            </a:r>
+            <a:endParaRPr lang="en-US" sz="2400" b="1" u="sng" dirty="0"/>
+          </a:p>
+        </p:txBody>
+      </p:sp>
+      <p:sp>
+        <p:nvSpPr>
+          <p:cNvPr id="3" name="Rectangle 2"/>
+          <p:cNvSpPr/>
+          <p:nvPr/>
+        </p:nvSpPr>
+        <p:spPr>
+          <a:xfrm>
+            <a:off x="3048000" y="3105835"/>
+            <a:ext cx="6096000" cy="646331"/>
+          </a:xfrm>
+          <a:prstGeom prst="rect">
+            <a:avLst/>
+          </a:prstGeom>
+        </p:spPr>
+        <p:txBody>
+          <a:bodyPr>
+            <a:spAutoFit/>
+          </a:bodyPr>
+          <a:lstStyle/>
+          <a:p>
+            <a:r>
+              <a:rPr lang="en-US" dirty="0"/>
+              <a:t>SELECT * FROM STUDENT_DETAILS ORDER BY CLASS ASC;</a:t>
+            </a:r>
+          </a:p>
+        </p:txBody>
+      </p:sp>
+    </p:spTree>
+    <p:extLst>
+      <p:ext uri="{BB962C8B-B14F-4D97-AF65-F5344CB8AC3E}">
+        <p14:creationId xmlns:p14="http://schemas.microsoft.com/office/powerpoint/2010/main" val="3403098727"/>
       </p:ext>
     </p:extLst>
   </p:cSld>
@@ -4361,10 +6694,589 @@
           </a:prstGeom>
         </p:spPr>
       </p:pic>
+      <p:sp>
+        <p:nvSpPr>
+          <p:cNvPr id="2" name="Rectangle 1"/>
+          <p:cNvSpPr/>
+          <p:nvPr/>
+        </p:nvSpPr>
+        <p:spPr>
+          <a:xfrm>
+            <a:off x="500742" y="349572"/>
+            <a:ext cx="11203577" cy="400110"/>
+          </a:xfrm>
+          <a:prstGeom prst="rect">
+            <a:avLst/>
+          </a:prstGeom>
+        </p:spPr>
+        <p:txBody>
+          <a:bodyPr wrap="square">
+            <a:spAutoFit/>
+          </a:bodyPr>
+          <a:lstStyle/>
+          <a:p>
+            <a:r>
+              <a:rPr lang="en-US" sz="2000" b="1" dirty="0">
+                <a:latin typeface="Lato"/>
+              </a:rPr>
+              <a:t>The columns in a table are called fields while the rows can be referred to as records.</a:t>
+            </a:r>
+            <a:endParaRPr lang="en-US" sz="2000" b="1" dirty="0"/>
+          </a:p>
+        </p:txBody>
+      </p:sp>
     </p:spTree>
     <p:extLst>
       <p:ext uri="{BB962C8B-B14F-4D97-AF65-F5344CB8AC3E}">
         <p14:creationId xmlns:p14="http://schemas.microsoft.com/office/powerpoint/2010/main" val="2695993706"/>
+      </p:ext>
+    </p:extLst>
+  </p:cSld>
+  <p:clrMapOvr>
+    <a:masterClrMapping/>
+  </p:clrMapOvr>
+</p:sld>
+</file>
+
+<file path=ppt/slides/slide5.xml><?xml version="1.0" encoding="utf-8"?>
+<p:sld xmlns:a="http://schemas.openxmlformats.org/drawingml/2006/main" xmlns:r="http://schemas.openxmlformats.org/officeDocument/2006/relationships" xmlns:p="http://schemas.openxmlformats.org/presentationml/2006/main">
+  <p:cSld>
+    <p:spTree>
+      <p:nvGrpSpPr>
+        <p:cNvPr id="1" name=""/>
+        <p:cNvGrpSpPr/>
+        <p:nvPr/>
+      </p:nvGrpSpPr>
+      <p:grpSpPr>
+        <a:xfrm>
+          <a:off x="0" y="0"/>
+          <a:ext cx="0" cy="0"/>
+          <a:chOff x="0" y="0"/>
+          <a:chExt cx="0" cy="0"/>
+        </a:xfrm>
+      </p:grpSpPr>
+      <p:pic>
+        <p:nvPicPr>
+          <p:cNvPr id="2" name="Picture 1"/>
+          <p:cNvPicPr>
+            <a:picLocks noChangeAspect="1"/>
+          </p:cNvPicPr>
+          <p:nvPr/>
+        </p:nvPicPr>
+        <p:blipFill rotWithShape="1">
+          <a:blip r:embed="rId2"/>
+          <a:srcRect l="1720"/>
+          <a:stretch/>
+        </p:blipFill>
+        <p:spPr>
+          <a:xfrm>
+            <a:off x="143691" y="259886"/>
+            <a:ext cx="5760720" cy="6356267"/>
+          </a:xfrm>
+          <a:prstGeom prst="rect">
+            <a:avLst/>
+          </a:prstGeom>
+        </p:spPr>
+      </p:pic>
+    </p:spTree>
+    <p:extLst>
+      <p:ext uri="{BB962C8B-B14F-4D97-AF65-F5344CB8AC3E}">
+        <p14:creationId xmlns:p14="http://schemas.microsoft.com/office/powerpoint/2010/main" val="2833291141"/>
+      </p:ext>
+    </p:extLst>
+  </p:cSld>
+  <p:clrMapOvr>
+    <a:masterClrMapping/>
+  </p:clrMapOvr>
+</p:sld>
+</file>
+
+<file path=ppt/slides/slide6.xml><?xml version="1.0" encoding="utf-8"?>
+<p:sld xmlns:a="http://schemas.openxmlformats.org/drawingml/2006/main" xmlns:r="http://schemas.openxmlformats.org/officeDocument/2006/relationships" xmlns:p="http://schemas.openxmlformats.org/presentationml/2006/main">
+  <p:cSld>
+    <p:spTree>
+      <p:nvGrpSpPr>
+        <p:cNvPr id="1" name=""/>
+        <p:cNvGrpSpPr/>
+        <p:nvPr/>
+      </p:nvGrpSpPr>
+      <p:grpSpPr>
+        <a:xfrm>
+          <a:off x="0" y="0"/>
+          <a:ext cx="0" cy="0"/>
+          <a:chOff x="0" y="0"/>
+          <a:chExt cx="0" cy="0"/>
+        </a:xfrm>
+      </p:grpSpPr>
+      <p:sp>
+        <p:nvSpPr>
+          <p:cNvPr id="2" name="TextBox 1"/>
+          <p:cNvSpPr txBox="1"/>
+          <p:nvPr/>
+        </p:nvSpPr>
+        <p:spPr>
+          <a:xfrm>
+            <a:off x="261257" y="326571"/>
+            <a:ext cx="11064240" cy="1754326"/>
+          </a:xfrm>
+          <a:prstGeom prst="rect">
+            <a:avLst/>
+          </a:prstGeom>
+          <a:noFill/>
+        </p:spPr>
+        <p:txBody>
+          <a:bodyPr wrap="square" rtlCol="0">
+            <a:spAutoFit/>
+          </a:bodyPr>
+          <a:lstStyle/>
+          <a:p>
+            <a:r>
+              <a:rPr lang="en-US" dirty="0" smtClean="0"/>
+              <a:t>Data type: to store data in which form</a:t>
+            </a:r>
+          </a:p>
+          <a:p>
+            <a:endParaRPr lang="en-US" dirty="0"/>
+          </a:p>
+          <a:p>
+            <a:pPr marL="342900" indent="-342900">
+              <a:buAutoNum type="arabicPeriod"/>
+            </a:pPr>
+            <a:r>
+              <a:rPr lang="en-US" dirty="0" smtClean="0"/>
+              <a:t>Char   :   fixed size    				</a:t>
+            </a:r>
+            <a:r>
+              <a:rPr lang="en-US" dirty="0" err="1" smtClean="0"/>
+              <a:t>eg</a:t>
+            </a:r>
+            <a:r>
+              <a:rPr lang="en-US" dirty="0" smtClean="0"/>
+              <a:t>: array in java of fixed size</a:t>
+            </a:r>
+          </a:p>
+          <a:p>
+            <a:pPr marL="342900" indent="-342900">
+              <a:buAutoNum type="arabicPeriod"/>
+            </a:pPr>
+            <a:r>
+              <a:rPr lang="en-US" dirty="0" smtClean="0"/>
+              <a:t>Varchar : variable size   	</a:t>
+            </a:r>
+            <a:r>
+              <a:rPr lang="en-US" dirty="0" err="1" smtClean="0"/>
+              <a:t>eg</a:t>
+            </a:r>
+            <a:r>
+              <a:rPr lang="en-US" dirty="0" smtClean="0"/>
+              <a:t>: </a:t>
+            </a:r>
+            <a:r>
+              <a:rPr lang="en-US" dirty="0" err="1" smtClean="0"/>
+              <a:t>arrayList</a:t>
+            </a:r>
+            <a:r>
+              <a:rPr lang="en-US" dirty="0" smtClean="0"/>
+              <a:t> in java (according to need :space efficient approach)</a:t>
+            </a:r>
+          </a:p>
+          <a:p>
+            <a:pPr marL="342900" indent="-342900">
+              <a:buAutoNum type="arabicPeriod"/>
+            </a:pPr>
+            <a:r>
+              <a:rPr lang="en-US" dirty="0" smtClean="0"/>
+              <a:t>Text : similar to varchar but with more space .</a:t>
+            </a:r>
+          </a:p>
+          <a:p>
+            <a:pPr marL="342900" indent="-342900">
+              <a:buAutoNum type="arabicPeriod"/>
+            </a:pPr>
+            <a:endParaRPr lang="en-US" dirty="0"/>
+          </a:p>
+        </p:txBody>
+      </p:sp>
+      <p:pic>
+        <p:nvPicPr>
+          <p:cNvPr id="3" name="Picture 2"/>
+          <p:cNvPicPr>
+            <a:picLocks noChangeAspect="1"/>
+          </p:cNvPicPr>
+          <p:nvPr/>
+        </p:nvPicPr>
+        <p:blipFill>
+          <a:blip r:embed="rId2"/>
+          <a:stretch>
+            <a:fillRect/>
+          </a:stretch>
+        </p:blipFill>
+        <p:spPr>
+          <a:xfrm>
+            <a:off x="1009514" y="2856639"/>
+            <a:ext cx="9754961" cy="2581635"/>
+          </a:xfrm>
+          <a:prstGeom prst="rect">
+            <a:avLst/>
+          </a:prstGeom>
+        </p:spPr>
+      </p:pic>
+    </p:spTree>
+    <p:extLst>
+      <p:ext uri="{BB962C8B-B14F-4D97-AF65-F5344CB8AC3E}">
+        <p14:creationId xmlns:p14="http://schemas.microsoft.com/office/powerpoint/2010/main" val="878820156"/>
+      </p:ext>
+    </p:extLst>
+  </p:cSld>
+  <p:clrMapOvr>
+    <a:masterClrMapping/>
+  </p:clrMapOvr>
+</p:sld>
+</file>
+
+<file path=ppt/slides/slide7.xml><?xml version="1.0" encoding="utf-8"?>
+<p:sld xmlns:a="http://schemas.openxmlformats.org/drawingml/2006/main" xmlns:r="http://schemas.openxmlformats.org/officeDocument/2006/relationships" xmlns:p="http://schemas.openxmlformats.org/presentationml/2006/main">
+  <p:cSld>
+    <p:spTree>
+      <p:nvGrpSpPr>
+        <p:cNvPr id="1" name=""/>
+        <p:cNvGrpSpPr/>
+        <p:nvPr/>
+      </p:nvGrpSpPr>
+      <p:grpSpPr>
+        <a:xfrm>
+          <a:off x="0" y="0"/>
+          <a:ext cx="0" cy="0"/>
+          <a:chOff x="0" y="0"/>
+          <a:chExt cx="0" cy="0"/>
+        </a:xfrm>
+      </p:grpSpPr>
+      <p:sp>
+        <p:nvSpPr>
+          <p:cNvPr id="2" name="TextBox 1"/>
+          <p:cNvSpPr txBox="1"/>
+          <p:nvPr/>
+        </p:nvSpPr>
+        <p:spPr>
+          <a:xfrm>
+            <a:off x="248194" y="274320"/>
+            <a:ext cx="11573692" cy="923330"/>
+          </a:xfrm>
+          <a:prstGeom prst="rect">
+            <a:avLst/>
+          </a:prstGeom>
+          <a:noFill/>
+        </p:spPr>
+        <p:txBody>
+          <a:bodyPr wrap="square" rtlCol="0">
+            <a:spAutoFit/>
+          </a:bodyPr>
+          <a:lstStyle/>
+          <a:p>
+            <a:r>
+              <a:rPr lang="en-US" dirty="0" smtClean="0"/>
+              <a:t>Any type of file being stored in bits format is the most efficient way of storing data if we don’t have any cloud service for storing data.</a:t>
+            </a:r>
+          </a:p>
+          <a:p>
+            <a:pPr marL="342900" indent="-342900">
+              <a:buAutoNum type="arabicPeriod"/>
+            </a:pPr>
+            <a:r>
+              <a:rPr lang="en-US" dirty="0" smtClean="0"/>
+              <a:t>BLOB : bulky file </a:t>
+            </a:r>
+          </a:p>
+        </p:txBody>
+      </p:sp>
+      <p:pic>
+        <p:nvPicPr>
+          <p:cNvPr id="3" name="Picture 2"/>
+          <p:cNvPicPr>
+            <a:picLocks noChangeAspect="1"/>
+          </p:cNvPicPr>
+          <p:nvPr/>
+        </p:nvPicPr>
+        <p:blipFill>
+          <a:blip r:embed="rId2"/>
+          <a:stretch>
+            <a:fillRect/>
+          </a:stretch>
+        </p:blipFill>
+        <p:spPr>
+          <a:xfrm>
+            <a:off x="650396" y="1361914"/>
+            <a:ext cx="10107436" cy="2305372"/>
+          </a:xfrm>
+          <a:prstGeom prst="rect">
+            <a:avLst/>
+          </a:prstGeom>
+        </p:spPr>
+      </p:pic>
+    </p:spTree>
+    <p:extLst>
+      <p:ext uri="{BB962C8B-B14F-4D97-AF65-F5344CB8AC3E}">
+        <p14:creationId xmlns:p14="http://schemas.microsoft.com/office/powerpoint/2010/main" val="998927670"/>
+      </p:ext>
+    </p:extLst>
+  </p:cSld>
+  <p:clrMapOvr>
+    <a:masterClrMapping/>
+  </p:clrMapOvr>
+</p:sld>
+</file>
+
+<file path=ppt/slides/slide8.xml><?xml version="1.0" encoding="utf-8"?>
+<p:sld xmlns:a="http://schemas.openxmlformats.org/drawingml/2006/main" xmlns:r="http://schemas.openxmlformats.org/officeDocument/2006/relationships" xmlns:p="http://schemas.openxmlformats.org/presentationml/2006/main">
+  <p:cSld>
+    <p:spTree>
+      <p:nvGrpSpPr>
+        <p:cNvPr id="1" name=""/>
+        <p:cNvGrpSpPr/>
+        <p:nvPr/>
+      </p:nvGrpSpPr>
+      <p:grpSpPr>
+        <a:xfrm>
+          <a:off x="0" y="0"/>
+          <a:ext cx="0" cy="0"/>
+          <a:chOff x="0" y="0"/>
+          <a:chExt cx="0" cy="0"/>
+        </a:xfrm>
+      </p:grpSpPr>
+      <p:pic>
+        <p:nvPicPr>
+          <p:cNvPr id="2" name="Picture 1"/>
+          <p:cNvPicPr>
+            <a:picLocks noChangeAspect="1"/>
+          </p:cNvPicPr>
+          <p:nvPr/>
+        </p:nvPicPr>
+        <p:blipFill>
+          <a:blip r:embed="rId2"/>
+          <a:stretch>
+            <a:fillRect/>
+          </a:stretch>
+        </p:blipFill>
+        <p:spPr>
+          <a:xfrm>
+            <a:off x="1292994" y="163381"/>
+            <a:ext cx="9135750" cy="2534004"/>
+          </a:xfrm>
+          <a:prstGeom prst="rect">
+            <a:avLst/>
+          </a:prstGeom>
+        </p:spPr>
+      </p:pic>
+      <p:pic>
+        <p:nvPicPr>
+          <p:cNvPr id="3" name="Picture 2"/>
+          <p:cNvPicPr>
+            <a:picLocks noChangeAspect="1"/>
+          </p:cNvPicPr>
+          <p:nvPr/>
+        </p:nvPicPr>
+        <p:blipFill rotWithShape="1">
+          <a:blip r:embed="rId3"/>
+          <a:srcRect l="1190"/>
+          <a:stretch/>
+        </p:blipFill>
+        <p:spPr>
+          <a:xfrm>
+            <a:off x="1532709" y="4408508"/>
+            <a:ext cx="8876429" cy="1019317"/>
+          </a:xfrm>
+          <a:prstGeom prst="rect">
+            <a:avLst/>
+          </a:prstGeom>
+        </p:spPr>
+      </p:pic>
+      <p:pic>
+        <p:nvPicPr>
+          <p:cNvPr id="4" name="Picture 3"/>
+          <p:cNvPicPr>
+            <a:picLocks noChangeAspect="1"/>
+          </p:cNvPicPr>
+          <p:nvPr/>
+        </p:nvPicPr>
+        <p:blipFill rotWithShape="1">
+          <a:blip r:embed="rId4"/>
+          <a:srcRect r="9687" b="87246"/>
+          <a:stretch/>
+        </p:blipFill>
+        <p:spPr>
+          <a:xfrm>
+            <a:off x="1532709" y="5427825"/>
+            <a:ext cx="8896035" cy="541902"/>
+          </a:xfrm>
+          <a:prstGeom prst="rect">
+            <a:avLst/>
+          </a:prstGeom>
+        </p:spPr>
+      </p:pic>
+    </p:spTree>
+    <p:extLst>
+      <p:ext uri="{BB962C8B-B14F-4D97-AF65-F5344CB8AC3E}">
+        <p14:creationId xmlns:p14="http://schemas.microsoft.com/office/powerpoint/2010/main" val="589865119"/>
+      </p:ext>
+    </p:extLst>
+  </p:cSld>
+  <p:clrMapOvr>
+    <a:masterClrMapping/>
+  </p:clrMapOvr>
+</p:sld>
+</file>
+
+<file path=ppt/slides/slide9.xml><?xml version="1.0" encoding="utf-8"?>
+<p:sld xmlns:a="http://schemas.openxmlformats.org/drawingml/2006/main" xmlns:r="http://schemas.openxmlformats.org/officeDocument/2006/relationships" xmlns:p="http://schemas.openxmlformats.org/presentationml/2006/main">
+  <p:cSld>
+    <p:spTree>
+      <p:nvGrpSpPr>
+        <p:cNvPr id="1" name=""/>
+        <p:cNvGrpSpPr/>
+        <p:nvPr/>
+      </p:nvGrpSpPr>
+      <p:grpSpPr>
+        <a:xfrm>
+          <a:off x="0" y="0"/>
+          <a:ext cx="0" cy="0"/>
+          <a:chOff x="0" y="0"/>
+          <a:chExt cx="0" cy="0"/>
+        </a:xfrm>
+      </p:grpSpPr>
+      <p:pic>
+        <p:nvPicPr>
+          <p:cNvPr id="2" name="Picture 1"/>
+          <p:cNvPicPr>
+            <a:picLocks noChangeAspect="1"/>
+          </p:cNvPicPr>
+          <p:nvPr/>
+        </p:nvPicPr>
+        <p:blipFill rotWithShape="1">
+          <a:blip r:embed="rId2"/>
+          <a:srcRect t="12952"/>
+          <a:stretch/>
+        </p:blipFill>
+        <p:spPr>
+          <a:xfrm>
+            <a:off x="1131699" y="287383"/>
+            <a:ext cx="9850225" cy="3698445"/>
+          </a:xfrm>
+          <a:prstGeom prst="rect">
+            <a:avLst/>
+          </a:prstGeom>
+        </p:spPr>
+      </p:pic>
+      <p:sp>
+        <p:nvSpPr>
+          <p:cNvPr id="3" name="TextBox 2"/>
+          <p:cNvSpPr txBox="1"/>
+          <p:nvPr/>
+        </p:nvSpPr>
+        <p:spPr>
+          <a:xfrm>
+            <a:off x="8961120" y="2136605"/>
+            <a:ext cx="2020804" cy="369332"/>
+          </a:xfrm>
+          <a:prstGeom prst="rect">
+            <a:avLst/>
+          </a:prstGeom>
+          <a:noFill/>
+        </p:spPr>
+        <p:txBody>
+          <a:bodyPr wrap="square" rtlCol="0">
+            <a:spAutoFit/>
+          </a:bodyPr>
+          <a:lstStyle/>
+          <a:p>
+            <a:r>
+              <a:rPr lang="en-US" dirty="0" smtClean="0">
+                <a:solidFill>
+                  <a:schemeClr val="bg1"/>
+                </a:solidFill>
+              </a:rPr>
+              <a:t>A set of values </a:t>
+            </a:r>
+            <a:endParaRPr lang="en-US" dirty="0">
+              <a:solidFill>
+                <a:schemeClr val="bg1"/>
+              </a:solidFill>
+            </a:endParaRPr>
+          </a:p>
+        </p:txBody>
+      </p:sp>
+      <p:sp>
+        <p:nvSpPr>
+          <p:cNvPr id="4" name="TextBox 3"/>
+          <p:cNvSpPr txBox="1"/>
+          <p:nvPr/>
+        </p:nvSpPr>
+        <p:spPr>
+          <a:xfrm>
+            <a:off x="535577" y="4271554"/>
+            <a:ext cx="10816046" cy="2031325"/>
+          </a:xfrm>
+          <a:prstGeom prst="rect">
+            <a:avLst/>
+          </a:prstGeom>
+          <a:noFill/>
+        </p:spPr>
+        <p:txBody>
+          <a:bodyPr wrap="square" rtlCol="0">
+            <a:spAutoFit/>
+          </a:bodyPr>
+          <a:lstStyle/>
+          <a:p>
+            <a:r>
+              <a:rPr lang="en-US" dirty="0" err="1" smtClean="0"/>
+              <a:t>Enum</a:t>
+            </a:r>
+            <a:r>
+              <a:rPr lang="en-US" dirty="0" smtClean="0"/>
+              <a:t> : one value at a time </a:t>
+            </a:r>
+          </a:p>
+          <a:p>
+            <a:r>
+              <a:rPr lang="en-US" dirty="0" smtClean="0"/>
+              <a:t>Set : set of values can be assigned at a time .</a:t>
+            </a:r>
+          </a:p>
+          <a:p>
+            <a:endParaRPr lang="en-US" dirty="0"/>
+          </a:p>
+          <a:p>
+            <a:endParaRPr lang="en-US" dirty="0" smtClean="0"/>
+          </a:p>
+          <a:p>
+            <a:r>
+              <a:rPr lang="en-US" dirty="0" smtClean="0"/>
+              <a:t>**Values </a:t>
+            </a:r>
+            <a:r>
+              <a:rPr lang="en-US" dirty="0"/>
+              <a:t>can also be unsigned e.g., INT UNSIGNED</a:t>
+            </a:r>
+            <a:r>
+              <a:rPr lang="en-US" dirty="0" smtClean="0"/>
+              <a:t>.</a:t>
+            </a:r>
+          </a:p>
+          <a:p>
+            <a:endParaRPr lang="en-US" dirty="0"/>
+          </a:p>
+          <a:p>
+            <a:r>
+              <a:rPr lang="en-US" dirty="0" smtClean="0"/>
+              <a:t>JSON : key value pair of data .  As a object </a:t>
+            </a:r>
+            <a:endParaRPr lang="en-US" dirty="0"/>
+          </a:p>
+        </p:txBody>
+      </p:sp>
+    </p:spTree>
+    <p:extLst>
+      <p:ext uri="{BB962C8B-B14F-4D97-AF65-F5344CB8AC3E}">
+        <p14:creationId xmlns:p14="http://schemas.microsoft.com/office/powerpoint/2010/main" val="1717122212"/>
       </p:ext>
     </p:extLst>
   </p:cSld>
